--- a/AWS vs GOOGLE and AZURE.pptx
+++ b/AWS vs GOOGLE and AZURE.pptx
@@ -6,6 +6,10 @@
   </p:sldMasterIdLst>
   <p:sldIdLst>
     <p:sldId id="256" r:id="rId2"/>
+    <p:sldId id="257" r:id="rId3"/>
+    <p:sldId id="258" r:id="rId4"/>
+    <p:sldId id="259" r:id="rId5"/>
+    <p:sldId id="260" r:id="rId6"/>
   </p:sldIdLst>
   <p:sldSz cx="12192000" cy="6858000"/>
   <p:notesSz cx="6858000" cy="9144000"/>
@@ -104,7 +108,16 @@
       </a:defRPr>
     </a:lvl9pPr>
   </p:defaultTextStyle>
+  <p:extLst>
+    <p:ext uri="{EFAFB233-063F-42B5-8137-9DF3F51BA10A}">
+      <p15:sldGuideLst xmlns:p15="http://schemas.microsoft.com/office/powerpoint/2012/main"/>
+    </p:ext>
+  </p:extLst>
 </p:presentation>
+</file>
+
+<file path=ppt/revisionInfo.xml><?xml version="1.0" encoding="utf-8"?>
+<p1510:revInfo xmlns:a="http://schemas.openxmlformats.org/drawingml/2006/main" xmlns:r="http://schemas.openxmlformats.org/officeDocument/2006/relationships" xmlns:p1510="http://schemas.microsoft.com/office/powerpoint/2015/10/main"/>
 </file>
 
 <file path=ppt/slideLayouts/slideLayout1.xml><?xml version="1.0" encoding="utf-8"?>
@@ -149,7 +162,7 @@
           </a:lstStyle>
           <a:p>
             <a:r>
-              <a:rPr lang="en-US" smtClean="0"/>
+              <a:rPr lang="en-US"/>
               <a:t>Click to edit Master title style</a:t>
             </a:r>
             <a:endParaRPr lang="en-US" dirty="0"/>
@@ -269,7 +282,7 @@
           </a:lstStyle>
           <a:p>
             <a:r>
-              <a:rPr lang="en-US" smtClean="0"/>
+              <a:rPr lang="en-US"/>
               <a:t>Click to edit Master subtitle style</a:t>
             </a:r>
             <a:endParaRPr lang="en-US" dirty="0"/>
@@ -293,7 +306,7 @@
           <a:p>
             <a:fld id="{4AAD347D-5ACD-4C99-B74B-A9C85AD731AF}" type="datetimeFigureOut">
               <a:rPr lang="en-US" dirty="0"/>
-              <a:t>11/15/2017</a:t>
+              <a:t>11/19/2017</a:t>
             </a:fld>
             <a:endParaRPr lang="en-US" dirty="0"/>
           </a:p>
@@ -393,7 +406,7 @@
           </a:lstStyle>
           <a:p>
             <a:r>
-              <a:rPr lang="en-US" smtClean="0"/>
+              <a:rPr lang="en-US"/>
               <a:t>Click to edit Master title style</a:t>
             </a:r>
             <a:endParaRPr lang="en-US" dirty="0"/>
@@ -472,7 +485,7 @@
           </a:lstStyle>
           <a:p>
             <a:r>
-              <a:rPr lang="en-US" smtClean="0"/>
+              <a:rPr lang="en-US"/>
               <a:t>Click icon to add picture</a:t>
             </a:r>
             <a:endParaRPr lang="en-US" dirty="0"/>
@@ -540,7 +553,7 @@
           <a:p>
             <a:pPr lvl="0"/>
             <a:r>
-              <a:rPr lang="en-US" smtClean="0"/>
+              <a:rPr lang="en-US"/>
               <a:t>Edit Master text styles</a:t>
             </a:r>
           </a:p>
@@ -563,7 +576,7 @@
           <a:p>
             <a:fld id="{4509A250-FF31-4206-8172-F9D3106AACB1}" type="datetimeFigureOut">
               <a:rPr lang="en-US" dirty="0"/>
-              <a:t>11/15/2017</a:t>
+              <a:t>11/19/2017</a:t>
             </a:fld>
             <a:endParaRPr lang="en-US" dirty="0"/>
           </a:p>
@@ -661,7 +674,7 @@
           </a:lstStyle>
           <a:p>
             <a:r>
-              <a:rPr lang="en-US" smtClean="0"/>
+              <a:rPr lang="en-US"/>
               <a:t>Click to edit Master title style</a:t>
             </a:r>
             <a:endParaRPr lang="en-US" dirty="0"/>
@@ -729,7 +742,7 @@
           <a:p>
             <a:pPr lvl="0"/>
             <a:r>
-              <a:rPr lang="en-US" smtClean="0"/>
+              <a:rPr lang="en-US"/>
               <a:t>Edit Master text styles</a:t>
             </a:r>
           </a:p>
@@ -752,7 +765,7 @@
           <a:p>
             <a:fld id="{4509A250-FF31-4206-8172-F9D3106AACB1}" type="datetimeFigureOut">
               <a:rPr lang="en-US" dirty="0"/>
-              <a:t>11/15/2017</a:t>
+              <a:t>11/19/2017</a:t>
             </a:fld>
             <a:endParaRPr lang="en-US" dirty="0"/>
           </a:p>
@@ -850,7 +863,7 @@
           </a:lstStyle>
           <a:p>
             <a:r>
-              <a:rPr lang="en-US" smtClean="0"/>
+              <a:rPr lang="en-US"/>
               <a:t>Click to edit Master title style</a:t>
             </a:r>
             <a:endParaRPr lang="en-US" dirty="0"/>
@@ -930,7 +943,7 @@
               <a:buNone/>
             </a:pPr>
             <a:r>
-              <a:rPr lang="en-US" smtClean="0"/>
+              <a:rPr lang="en-US"/>
               <a:t>Edit Master text styles</a:t>
             </a:r>
           </a:p>
@@ -997,7 +1010,7 @@
           <a:p>
             <a:pPr lvl="0"/>
             <a:r>
-              <a:rPr lang="en-US" smtClean="0"/>
+              <a:rPr lang="en-US"/>
               <a:t>Edit Master text styles</a:t>
             </a:r>
           </a:p>
@@ -1020,7 +1033,7 @@
           <a:p>
             <a:fld id="{4509A250-FF31-4206-8172-F9D3106AACB1}" type="datetimeFigureOut">
               <a:rPr lang="en-US" dirty="0"/>
-              <a:t>11/15/2017</a:t>
+              <a:t>11/19/2017</a:t>
             </a:fld>
             <a:endParaRPr lang="en-US" dirty="0"/>
           </a:p>
@@ -1212,7 +1225,7 @@
           </a:lstStyle>
           <a:p>
             <a:r>
-              <a:rPr lang="en-US" smtClean="0"/>
+              <a:rPr lang="en-US"/>
               <a:t>Click to edit Master title style</a:t>
             </a:r>
             <a:endParaRPr lang="en-US" dirty="0"/>
@@ -1333,7 +1346,7 @@
           <a:p>
             <a:pPr lvl="0"/>
             <a:r>
-              <a:rPr lang="en-US" smtClean="0"/>
+              <a:rPr lang="en-US"/>
               <a:t>Edit Master text styles</a:t>
             </a:r>
           </a:p>
@@ -1356,7 +1369,7 @@
           <a:p>
             <a:fld id="{4509A250-FF31-4206-8172-F9D3106AACB1}" type="datetimeFigureOut">
               <a:rPr lang="en-US" dirty="0"/>
-              <a:t>11/15/2017</a:t>
+              <a:t>11/19/2017</a:t>
             </a:fld>
             <a:endParaRPr lang="en-US" dirty="0"/>
           </a:p>
@@ -1449,7 +1462,7 @@
           </a:lstStyle>
           <a:p>
             <a:r>
-              <a:rPr lang="en-US" smtClean="0"/>
+              <a:rPr lang="en-US"/>
               <a:t>Click to edit Master title style</a:t>
             </a:r>
             <a:endParaRPr lang="en-US" dirty="0"/>
@@ -1524,7 +1537,7 @@
           <a:p>
             <a:pPr lvl="0"/>
             <a:r>
-              <a:rPr lang="en-US" smtClean="0"/>
+              <a:rPr lang="en-US"/>
               <a:t>Edit Master text styles</a:t>
             </a:r>
           </a:p>
@@ -1591,7 +1604,7 @@
           <a:p>
             <a:pPr lvl="0"/>
             <a:r>
-              <a:rPr lang="en-US" smtClean="0"/>
+              <a:rPr lang="en-US"/>
               <a:t>Edit Master text styles</a:t>
             </a:r>
           </a:p>
@@ -1665,7 +1678,7 @@
           <a:p>
             <a:pPr lvl="0"/>
             <a:r>
-              <a:rPr lang="en-US" smtClean="0"/>
+              <a:rPr lang="en-US"/>
               <a:t>Edit Master text styles</a:t>
             </a:r>
           </a:p>
@@ -1732,7 +1745,7 @@
           <a:p>
             <a:pPr lvl="0"/>
             <a:r>
-              <a:rPr lang="en-US" smtClean="0"/>
+              <a:rPr lang="en-US"/>
               <a:t>Edit Master text styles</a:t>
             </a:r>
           </a:p>
@@ -1806,7 +1819,7 @@
           <a:p>
             <a:pPr lvl="0"/>
             <a:r>
-              <a:rPr lang="en-US" smtClean="0"/>
+              <a:rPr lang="en-US"/>
               <a:t>Edit Master text styles</a:t>
             </a:r>
           </a:p>
@@ -1873,7 +1886,7 @@
           <a:p>
             <a:pPr lvl="0"/>
             <a:r>
-              <a:rPr lang="en-US" smtClean="0"/>
+              <a:rPr lang="en-US"/>
               <a:t>Edit Master text styles</a:t>
             </a:r>
           </a:p>
@@ -1974,7 +1987,7 @@
           <a:p>
             <a:fld id="{4509A250-FF31-4206-8172-F9D3106AACB1}" type="datetimeFigureOut">
               <a:rPr lang="en-US" dirty="0"/>
-              <a:t>11/15/2017</a:t>
+              <a:t>11/19/2017</a:t>
             </a:fld>
             <a:endParaRPr lang="en-US" dirty="0"/>
           </a:p>
@@ -2067,7 +2080,7 @@
           </a:lstStyle>
           <a:p>
             <a:r>
-              <a:rPr lang="en-US" smtClean="0"/>
+              <a:rPr lang="en-US"/>
               <a:t>Click to edit Master title style</a:t>
             </a:r>
             <a:endParaRPr lang="en-US" dirty="0"/>
@@ -2142,7 +2155,7 @@
           <a:p>
             <a:pPr lvl="0"/>
             <a:r>
-              <a:rPr lang="en-US" smtClean="0"/>
+              <a:rPr lang="en-US"/>
               <a:t>Edit Master text styles</a:t>
             </a:r>
           </a:p>
@@ -2220,7 +2233,7 @@
           </a:lstStyle>
           <a:p>
             <a:r>
-              <a:rPr lang="en-US" smtClean="0"/>
+              <a:rPr lang="en-US"/>
               <a:t>Click icon to add picture</a:t>
             </a:r>
             <a:endParaRPr lang="en-US" dirty="0"/>
@@ -2288,7 +2301,7 @@
           <a:p>
             <a:pPr lvl="0"/>
             <a:r>
-              <a:rPr lang="en-US" smtClean="0"/>
+              <a:rPr lang="en-US"/>
               <a:t>Edit Master text styles</a:t>
             </a:r>
           </a:p>
@@ -2362,7 +2375,7 @@
           <a:p>
             <a:pPr lvl="0"/>
             <a:r>
-              <a:rPr lang="en-US" smtClean="0"/>
+              <a:rPr lang="en-US"/>
               <a:t>Edit Master text styles</a:t>
             </a:r>
           </a:p>
@@ -2440,7 +2453,7 @@
           </a:lstStyle>
           <a:p>
             <a:r>
-              <a:rPr lang="en-US" smtClean="0"/>
+              <a:rPr lang="en-US"/>
               <a:t>Click icon to add picture</a:t>
             </a:r>
             <a:endParaRPr lang="en-US" dirty="0"/>
@@ -2508,7 +2521,7 @@
           <a:p>
             <a:pPr lvl="0"/>
             <a:r>
-              <a:rPr lang="en-US" smtClean="0"/>
+              <a:rPr lang="en-US"/>
               <a:t>Edit Master text styles</a:t>
             </a:r>
           </a:p>
@@ -2582,7 +2595,7 @@
           <a:p>
             <a:pPr lvl="0"/>
             <a:r>
-              <a:rPr lang="en-US" smtClean="0"/>
+              <a:rPr lang="en-US"/>
               <a:t>Edit Master text styles</a:t>
             </a:r>
           </a:p>
@@ -2660,7 +2673,7 @@
           </a:lstStyle>
           <a:p>
             <a:r>
-              <a:rPr lang="en-US" smtClean="0"/>
+              <a:rPr lang="en-US"/>
               <a:t>Click icon to add picture</a:t>
             </a:r>
             <a:endParaRPr lang="en-US" dirty="0"/>
@@ -2728,7 +2741,7 @@
           <a:p>
             <a:pPr lvl="0"/>
             <a:r>
-              <a:rPr lang="en-US" smtClean="0"/>
+              <a:rPr lang="en-US"/>
               <a:t>Edit Master text styles</a:t>
             </a:r>
           </a:p>
@@ -2829,7 +2842,7 @@
           <a:p>
             <a:fld id="{4509A250-FF31-4206-8172-F9D3106AACB1}" type="datetimeFigureOut">
               <a:rPr lang="en-US" dirty="0"/>
-              <a:t>11/15/2017</a:t>
+              <a:t>11/19/2017</a:t>
             </a:fld>
             <a:endParaRPr lang="en-US" dirty="0"/>
           </a:p>
@@ -2918,7 +2931,7 @@
           <a:lstStyle/>
           <a:p>
             <a:r>
-              <a:rPr lang="en-US" smtClean="0"/>
+              <a:rPr lang="en-US"/>
               <a:t>Click to edit Master title style</a:t>
             </a:r>
             <a:endParaRPr lang="en-US" dirty="0"/>
@@ -2942,35 +2955,35 @@
           <a:p>
             <a:pPr lvl="0"/>
             <a:r>
-              <a:rPr lang="en-US" smtClean="0"/>
+              <a:rPr lang="en-US"/>
               <a:t>Edit Master text styles</a:t>
             </a:r>
           </a:p>
           <a:p>
             <a:pPr lvl="1"/>
             <a:r>
-              <a:rPr lang="en-US" smtClean="0"/>
+              <a:rPr lang="en-US"/>
               <a:t>Second level</a:t>
             </a:r>
           </a:p>
           <a:p>
             <a:pPr lvl="2"/>
             <a:r>
-              <a:rPr lang="en-US" smtClean="0"/>
+              <a:rPr lang="en-US"/>
               <a:t>Third level</a:t>
             </a:r>
           </a:p>
           <a:p>
             <a:pPr lvl="3"/>
             <a:r>
-              <a:rPr lang="en-US" smtClean="0"/>
+              <a:rPr lang="en-US"/>
               <a:t>Fourth level</a:t>
             </a:r>
           </a:p>
           <a:p>
             <a:pPr lvl="4"/>
             <a:r>
-              <a:rPr lang="en-US" smtClean="0"/>
+              <a:rPr lang="en-US"/>
               <a:t>Fifth level</a:t>
             </a:r>
             <a:endParaRPr lang="en-US" dirty="0"/>
@@ -2994,7 +3007,7 @@
           <a:p>
             <a:fld id="{4509A250-FF31-4206-8172-F9D3106AACB1}" type="datetimeFigureOut">
               <a:rPr lang="en-US" dirty="0"/>
-              <a:t>11/15/2017</a:t>
+              <a:t>11/19/2017</a:t>
             </a:fld>
             <a:endParaRPr lang="en-US" dirty="0"/>
           </a:p>
@@ -3088,7 +3101,7 @@
           <a:lstStyle/>
           <a:p>
             <a:r>
-              <a:rPr lang="en-US" smtClean="0"/>
+              <a:rPr lang="en-US"/>
               <a:t>Click to edit Master title style</a:t>
             </a:r>
             <a:endParaRPr lang="en-US" dirty="0"/>
@@ -3117,35 +3130,35 @@
           <a:p>
             <a:pPr lvl="0"/>
             <a:r>
-              <a:rPr lang="en-US" smtClean="0"/>
+              <a:rPr lang="en-US"/>
               <a:t>Edit Master text styles</a:t>
             </a:r>
           </a:p>
           <a:p>
             <a:pPr lvl="1"/>
             <a:r>
-              <a:rPr lang="en-US" smtClean="0"/>
+              <a:rPr lang="en-US"/>
               <a:t>Second level</a:t>
             </a:r>
           </a:p>
           <a:p>
             <a:pPr lvl="2"/>
             <a:r>
-              <a:rPr lang="en-US" smtClean="0"/>
+              <a:rPr lang="en-US"/>
               <a:t>Third level</a:t>
             </a:r>
           </a:p>
           <a:p>
             <a:pPr lvl="3"/>
             <a:r>
-              <a:rPr lang="en-US" smtClean="0"/>
+              <a:rPr lang="en-US"/>
               <a:t>Fourth level</a:t>
             </a:r>
           </a:p>
           <a:p>
             <a:pPr lvl="4"/>
             <a:r>
-              <a:rPr lang="en-US" smtClean="0"/>
+              <a:rPr lang="en-US"/>
               <a:t>Fifth level</a:t>
             </a:r>
             <a:endParaRPr lang="en-US" dirty="0"/>
@@ -3169,7 +3182,7 @@
           <a:p>
             <a:fld id="{4509A250-FF31-4206-8172-F9D3106AACB1}" type="datetimeFigureOut">
               <a:rPr lang="en-US" dirty="0"/>
-              <a:t>11/15/2017</a:t>
+              <a:t>11/19/2017</a:t>
             </a:fld>
             <a:endParaRPr lang="en-US" dirty="0"/>
           </a:p>
@@ -3258,7 +3271,7 @@
           <a:lstStyle/>
           <a:p>
             <a:r>
-              <a:rPr lang="en-US" smtClean="0"/>
+              <a:rPr lang="en-US"/>
               <a:t>Click to edit Master title style</a:t>
             </a:r>
             <a:endParaRPr lang="en-US" dirty="0"/>
@@ -3282,35 +3295,35 @@
           <a:p>
             <a:pPr lvl="0"/>
             <a:r>
-              <a:rPr lang="en-US" smtClean="0"/>
+              <a:rPr lang="en-US"/>
               <a:t>Edit Master text styles</a:t>
             </a:r>
           </a:p>
           <a:p>
             <a:pPr lvl="1"/>
             <a:r>
-              <a:rPr lang="en-US" smtClean="0"/>
+              <a:rPr lang="en-US"/>
               <a:t>Second level</a:t>
             </a:r>
           </a:p>
           <a:p>
             <a:pPr lvl="2"/>
             <a:r>
-              <a:rPr lang="en-US" smtClean="0"/>
+              <a:rPr lang="en-US"/>
               <a:t>Third level</a:t>
             </a:r>
           </a:p>
           <a:p>
             <a:pPr lvl="3"/>
             <a:r>
-              <a:rPr lang="en-US" smtClean="0"/>
+              <a:rPr lang="en-US"/>
               <a:t>Fourth level</a:t>
             </a:r>
           </a:p>
           <a:p>
             <a:pPr lvl="4"/>
             <a:r>
-              <a:rPr lang="en-US" smtClean="0"/>
+              <a:rPr lang="en-US"/>
               <a:t>Fifth level</a:t>
             </a:r>
             <a:endParaRPr lang="en-US" dirty="0"/>
@@ -3334,7 +3347,7 @@
           <a:p>
             <a:fld id="{4509A250-FF31-4206-8172-F9D3106AACB1}" type="datetimeFigureOut">
               <a:rPr lang="en-US" dirty="0"/>
-              <a:t>11/15/2017</a:t>
+              <a:t>11/19/2017</a:t>
             </a:fld>
             <a:endParaRPr lang="en-US" dirty="0"/>
           </a:p>
@@ -3432,7 +3445,7 @@
           </a:lstStyle>
           <a:p>
             <a:r>
-              <a:rPr lang="en-US" smtClean="0"/>
+              <a:rPr lang="en-US"/>
               <a:t>Click to edit Master title style</a:t>
             </a:r>
             <a:endParaRPr lang="en-US" dirty="0"/>
@@ -3553,7 +3566,7 @@
           <a:p>
             <a:pPr lvl="0"/>
             <a:r>
-              <a:rPr lang="en-US" smtClean="0"/>
+              <a:rPr lang="en-US"/>
               <a:t>Edit Master text styles</a:t>
             </a:r>
           </a:p>
@@ -3576,7 +3589,7 @@
           <a:p>
             <a:fld id="{9796027F-7875-4030-9381-8BD8C4F21935}" type="datetimeFigureOut">
               <a:rPr lang="en-US" dirty="0"/>
-              <a:t>11/15/2017</a:t>
+              <a:t>11/19/2017</a:t>
             </a:fld>
             <a:endParaRPr lang="en-US" dirty="0"/>
           </a:p>
@@ -3665,7 +3678,7 @@
           <a:lstStyle/>
           <a:p>
             <a:r>
-              <a:rPr lang="en-US" smtClean="0"/>
+              <a:rPr lang="en-US"/>
               <a:t>Click to edit Master title style</a:t>
             </a:r>
             <a:endParaRPr lang="en-US" dirty="0"/>
@@ -3724,35 +3737,35 @@
           <a:p>
             <a:pPr lvl="0"/>
             <a:r>
-              <a:rPr lang="en-US" smtClean="0"/>
+              <a:rPr lang="en-US"/>
               <a:t>Edit Master text styles</a:t>
             </a:r>
           </a:p>
           <a:p>
             <a:pPr lvl="1"/>
             <a:r>
-              <a:rPr lang="en-US" smtClean="0"/>
+              <a:rPr lang="en-US"/>
               <a:t>Second level</a:t>
             </a:r>
           </a:p>
           <a:p>
             <a:pPr lvl="2"/>
             <a:r>
-              <a:rPr lang="en-US" smtClean="0"/>
+              <a:rPr lang="en-US"/>
               <a:t>Third level</a:t>
             </a:r>
           </a:p>
           <a:p>
             <a:pPr lvl="3"/>
             <a:r>
-              <a:rPr lang="en-US" smtClean="0"/>
+              <a:rPr lang="en-US"/>
               <a:t>Fourth level</a:t>
             </a:r>
           </a:p>
           <a:p>
             <a:pPr lvl="4"/>
             <a:r>
-              <a:rPr lang="en-US" smtClean="0"/>
+              <a:rPr lang="en-US"/>
               <a:t>Fifth level</a:t>
             </a:r>
             <a:endParaRPr lang="en-US" dirty="0"/>
@@ -3811,35 +3824,35 @@
           <a:p>
             <a:pPr lvl="0"/>
             <a:r>
-              <a:rPr lang="en-US" smtClean="0"/>
+              <a:rPr lang="en-US"/>
               <a:t>Edit Master text styles</a:t>
             </a:r>
           </a:p>
           <a:p>
             <a:pPr lvl="1"/>
             <a:r>
-              <a:rPr lang="en-US" smtClean="0"/>
+              <a:rPr lang="en-US"/>
               <a:t>Second level</a:t>
             </a:r>
           </a:p>
           <a:p>
             <a:pPr lvl="2"/>
             <a:r>
-              <a:rPr lang="en-US" smtClean="0"/>
+              <a:rPr lang="en-US"/>
               <a:t>Third level</a:t>
             </a:r>
           </a:p>
           <a:p>
             <a:pPr lvl="3"/>
             <a:r>
-              <a:rPr lang="en-US" smtClean="0"/>
+              <a:rPr lang="en-US"/>
               <a:t>Fourth level</a:t>
             </a:r>
           </a:p>
           <a:p>
             <a:pPr lvl="4"/>
             <a:r>
-              <a:rPr lang="en-US" smtClean="0"/>
+              <a:rPr lang="en-US"/>
               <a:t>Fifth level</a:t>
             </a:r>
             <a:endParaRPr lang="en-US" dirty="0"/>
@@ -3863,7 +3876,7 @@
           <a:p>
             <a:fld id="{9796027F-7875-4030-9381-8BD8C4F21935}" type="datetimeFigureOut">
               <a:rPr lang="en-US" dirty="0"/>
-              <a:t>11/15/2017</a:t>
+              <a:t>11/19/2017</a:t>
             </a:fld>
             <a:endParaRPr lang="en-US" dirty="0"/>
           </a:p>
@@ -3956,7 +3969,7 @@
           </a:lstStyle>
           <a:p>
             <a:r>
-              <a:rPr lang="en-US" smtClean="0"/>
+              <a:rPr lang="en-US"/>
               <a:t>Click to edit Master title style</a:t>
             </a:r>
             <a:endParaRPr lang="en-US" dirty="0"/>
@@ -4031,7 +4044,7 @@
           <a:p>
             <a:pPr lvl="0"/>
             <a:r>
-              <a:rPr lang="en-US" smtClean="0"/>
+              <a:rPr lang="en-US"/>
               <a:t>Edit Master text styles</a:t>
             </a:r>
           </a:p>
@@ -4089,35 +4102,35 @@
           <a:p>
             <a:pPr lvl="0"/>
             <a:r>
-              <a:rPr lang="en-US" smtClean="0"/>
+              <a:rPr lang="en-US"/>
               <a:t>Edit Master text styles</a:t>
             </a:r>
           </a:p>
           <a:p>
             <a:pPr lvl="1"/>
             <a:r>
-              <a:rPr lang="en-US" smtClean="0"/>
+              <a:rPr lang="en-US"/>
               <a:t>Second level</a:t>
             </a:r>
           </a:p>
           <a:p>
             <a:pPr lvl="2"/>
             <a:r>
-              <a:rPr lang="en-US" smtClean="0"/>
+              <a:rPr lang="en-US"/>
               <a:t>Third level</a:t>
             </a:r>
           </a:p>
           <a:p>
             <a:pPr lvl="3"/>
             <a:r>
-              <a:rPr lang="en-US" smtClean="0"/>
+              <a:rPr lang="en-US"/>
               <a:t>Fourth level</a:t>
             </a:r>
           </a:p>
           <a:p>
             <a:pPr lvl="4"/>
             <a:r>
-              <a:rPr lang="en-US" smtClean="0"/>
+              <a:rPr lang="en-US"/>
               <a:t>Fifth level</a:t>
             </a:r>
             <a:endParaRPr lang="en-US" dirty="0"/>
@@ -4192,7 +4205,7 @@
           <a:p>
             <a:pPr lvl="0"/>
             <a:r>
-              <a:rPr lang="en-US" smtClean="0"/>
+              <a:rPr lang="en-US"/>
               <a:t>Edit Master text styles</a:t>
             </a:r>
           </a:p>
@@ -4250,35 +4263,35 @@
           <a:p>
             <a:pPr lvl="0"/>
             <a:r>
-              <a:rPr lang="en-US" smtClean="0"/>
+              <a:rPr lang="en-US"/>
               <a:t>Edit Master text styles</a:t>
             </a:r>
           </a:p>
           <a:p>
             <a:pPr lvl="1"/>
             <a:r>
-              <a:rPr lang="en-US" smtClean="0"/>
+              <a:rPr lang="en-US"/>
               <a:t>Second level</a:t>
             </a:r>
           </a:p>
           <a:p>
             <a:pPr lvl="2"/>
             <a:r>
-              <a:rPr lang="en-US" smtClean="0"/>
+              <a:rPr lang="en-US"/>
               <a:t>Third level</a:t>
             </a:r>
           </a:p>
           <a:p>
             <a:pPr lvl="3"/>
             <a:r>
-              <a:rPr lang="en-US" smtClean="0"/>
+              <a:rPr lang="en-US"/>
               <a:t>Fourth level</a:t>
             </a:r>
           </a:p>
           <a:p>
             <a:pPr lvl="4"/>
             <a:r>
-              <a:rPr lang="en-US" smtClean="0"/>
+              <a:rPr lang="en-US"/>
               <a:t>Fifth level</a:t>
             </a:r>
             <a:endParaRPr lang="en-US" dirty="0"/>
@@ -4302,7 +4315,7 @@
           <a:p>
             <a:fld id="{9796027F-7875-4030-9381-8BD8C4F21935}" type="datetimeFigureOut">
               <a:rPr lang="en-US" dirty="0"/>
-              <a:t>11/15/2017</a:t>
+              <a:t>11/19/2017</a:t>
             </a:fld>
             <a:endParaRPr lang="en-US" dirty="0"/>
           </a:p>
@@ -4391,7 +4404,7 @@
           <a:lstStyle/>
           <a:p>
             <a:r>
-              <a:rPr lang="en-US" smtClean="0"/>
+              <a:rPr lang="en-US"/>
               <a:t>Click to edit Master title style</a:t>
             </a:r>
             <a:endParaRPr lang="en-US" dirty="0"/>
@@ -4415,7 +4428,7 @@
           <a:p>
             <a:fld id="{4509A250-FF31-4206-8172-F9D3106AACB1}" type="datetimeFigureOut">
               <a:rPr lang="en-US" dirty="0"/>
-              <a:t>11/15/2017</a:t>
+              <a:t>11/19/2017</a:t>
             </a:fld>
             <a:endParaRPr lang="en-US" dirty="0"/>
           </a:p>
@@ -4505,7 +4518,7 @@
           <a:p>
             <a:fld id="{4509A250-FF31-4206-8172-F9D3106AACB1}" type="datetimeFigureOut">
               <a:rPr lang="en-US" dirty="0"/>
-              <a:t>11/15/2017</a:t>
+              <a:t>11/19/2017</a:t>
             </a:fld>
             <a:endParaRPr lang="en-US" dirty="0"/>
           </a:p>
@@ -4603,7 +4616,7 @@
           </a:lstStyle>
           <a:p>
             <a:r>
-              <a:rPr lang="en-US" smtClean="0"/>
+              <a:rPr lang="en-US"/>
               <a:t>Click to edit Master title style</a:t>
             </a:r>
             <a:endParaRPr lang="en-US" dirty="0"/>
@@ -4662,35 +4675,35 @@
           <a:p>
             <a:pPr lvl="0"/>
             <a:r>
-              <a:rPr lang="en-US" smtClean="0"/>
+              <a:rPr lang="en-US"/>
               <a:t>Edit Master text styles</a:t>
             </a:r>
           </a:p>
           <a:p>
             <a:pPr lvl="1"/>
             <a:r>
-              <a:rPr lang="en-US" smtClean="0"/>
+              <a:rPr lang="en-US"/>
               <a:t>Second level</a:t>
             </a:r>
           </a:p>
           <a:p>
             <a:pPr lvl="2"/>
             <a:r>
-              <a:rPr lang="en-US" smtClean="0"/>
+              <a:rPr lang="en-US"/>
               <a:t>Third level</a:t>
             </a:r>
           </a:p>
           <a:p>
             <a:pPr lvl="3"/>
             <a:r>
-              <a:rPr lang="en-US" smtClean="0"/>
+              <a:rPr lang="en-US"/>
               <a:t>Fourth level</a:t>
             </a:r>
           </a:p>
           <a:p>
             <a:pPr lvl="4"/>
             <a:r>
-              <a:rPr lang="en-US" smtClean="0"/>
+              <a:rPr lang="en-US"/>
               <a:t>Fifth level</a:t>
             </a:r>
             <a:endParaRPr lang="en-US" dirty="0"/>
@@ -4756,7 +4769,7 @@
           <a:p>
             <a:pPr lvl="0"/>
             <a:r>
-              <a:rPr lang="en-US" smtClean="0"/>
+              <a:rPr lang="en-US"/>
               <a:t>Edit Master text styles</a:t>
             </a:r>
           </a:p>
@@ -4779,7 +4792,7 @@
           <a:p>
             <a:fld id="{4509A250-FF31-4206-8172-F9D3106AACB1}" type="datetimeFigureOut">
               <a:rPr lang="en-US" dirty="0"/>
-              <a:t>11/15/2017</a:t>
+              <a:t>11/19/2017</a:t>
             </a:fld>
             <a:endParaRPr lang="en-US" dirty="0"/>
           </a:p>
@@ -4879,7 +4892,7 @@
           </a:lstStyle>
           <a:p>
             <a:r>
-              <a:rPr lang="en-US" smtClean="0"/>
+              <a:rPr lang="en-US"/>
               <a:t>Click to edit Master title style</a:t>
             </a:r>
             <a:endParaRPr lang="en-US" dirty="0"/>
@@ -4958,7 +4971,7 @@
           </a:lstStyle>
           <a:p>
             <a:r>
-              <a:rPr lang="en-US" smtClean="0"/>
+              <a:rPr lang="en-US"/>
               <a:t>Click icon to add picture</a:t>
             </a:r>
             <a:endParaRPr lang="en-US" dirty="0"/>
@@ -5026,7 +5039,7 @@
           <a:p>
             <a:pPr lvl="0"/>
             <a:r>
-              <a:rPr lang="en-US" smtClean="0"/>
+              <a:rPr lang="en-US"/>
               <a:t>Edit Master text styles</a:t>
             </a:r>
           </a:p>
@@ -5049,7 +5062,7 @@
           <a:p>
             <a:fld id="{4509A250-FF31-4206-8172-F9D3106AACB1}" type="datetimeFigureOut">
               <a:rPr lang="en-US" dirty="0"/>
-              <a:t>11/15/2017</a:t>
+              <a:t>11/19/2017</a:t>
             </a:fld>
             <a:endParaRPr lang="en-US" dirty="0"/>
           </a:p>
@@ -5368,7 +5381,7 @@
           <a:lstStyle/>
           <a:p>
             <a:r>
-              <a:rPr lang="en-US" smtClean="0"/>
+              <a:rPr lang="en-US"/>
               <a:t>Click to edit Master title style</a:t>
             </a:r>
             <a:endParaRPr lang="en-US" dirty="0"/>
@@ -5402,35 +5415,35 @@
           <a:p>
             <a:pPr lvl="0"/>
             <a:r>
-              <a:rPr lang="en-US" smtClean="0"/>
+              <a:rPr lang="en-US"/>
               <a:t>Edit Master text styles</a:t>
             </a:r>
           </a:p>
           <a:p>
             <a:pPr lvl="1"/>
             <a:r>
-              <a:rPr lang="en-US" smtClean="0"/>
+              <a:rPr lang="en-US"/>
               <a:t>Second level</a:t>
             </a:r>
           </a:p>
           <a:p>
             <a:pPr lvl="2"/>
             <a:r>
-              <a:rPr lang="en-US" smtClean="0"/>
+              <a:rPr lang="en-US"/>
               <a:t>Third level</a:t>
             </a:r>
           </a:p>
           <a:p>
             <a:pPr lvl="3"/>
             <a:r>
-              <a:rPr lang="en-US" smtClean="0"/>
+              <a:rPr lang="en-US"/>
               <a:t>Fourth level</a:t>
             </a:r>
           </a:p>
           <a:p>
             <a:pPr lvl="4"/>
             <a:r>
-              <a:rPr lang="en-US" smtClean="0"/>
+              <a:rPr lang="en-US"/>
               <a:t>Fifth level</a:t>
             </a:r>
             <a:endParaRPr lang="en-US" dirty="0"/>
@@ -5473,7 +5486,7 @@
           <a:p>
             <a:fld id="{4AAD347D-5ACD-4C99-B74B-A9C85AD731AF}" type="datetimeFigureOut">
               <a:rPr lang="en-US" dirty="0"/>
-              <a:t>11/15/2017</a:t>
+              <a:t>11/19/2017</a:t>
             </a:fld>
             <a:endParaRPr lang="en-US" dirty="0"/>
           </a:p>
@@ -6019,17 +6032,16 @@
           <a:p>
             <a:pPr algn="ctr"/>
             <a:r>
-              <a:rPr lang="en-US" dirty="0" smtClean="0"/>
+              <a:rPr lang="en-US" dirty="0"/>
               <a:t>AWS vs GOOGLE </a:t>
             </a:r>
             <a:br>
-              <a:rPr lang="en-US" dirty="0" smtClean="0"/>
+              <a:rPr lang="en-US" dirty="0"/>
             </a:br>
             <a:r>
-              <a:rPr lang="en-US" dirty="0" smtClean="0"/>
+              <a:rPr lang="en-US" dirty="0"/>
               <a:t>and AZURE</a:t>
             </a:r>
-            <a:endParaRPr lang="en-US" dirty="0"/>
           </a:p>
         </p:txBody>
       </p:sp>
@@ -6037,6 +6049,1931 @@
     <p:extLst>
       <p:ext uri="{BB962C8B-B14F-4D97-AF65-F5344CB8AC3E}">
         <p14:creationId xmlns:p14="http://schemas.microsoft.com/office/powerpoint/2010/main" val="2806019623"/>
+      </p:ext>
+    </p:extLst>
+  </p:cSld>
+  <p:clrMapOvr>
+    <a:masterClrMapping/>
+  </p:clrMapOvr>
+</p:sld>
+</file>
+
+<file path=ppt/slides/slide2.xml><?xml version="1.0" encoding="utf-8"?>
+<p:sld xmlns:a="http://schemas.openxmlformats.org/drawingml/2006/main" xmlns:r="http://schemas.openxmlformats.org/officeDocument/2006/relationships" xmlns:p="http://schemas.openxmlformats.org/presentationml/2006/main">
+  <p:cSld>
+    <p:spTree>
+      <p:nvGrpSpPr>
+        <p:cNvPr id="1" name=""/>
+        <p:cNvGrpSpPr/>
+        <p:nvPr/>
+      </p:nvGrpSpPr>
+      <p:grpSpPr>
+        <a:xfrm>
+          <a:off x="0" y="0"/>
+          <a:ext cx="0" cy="0"/>
+          <a:chOff x="0" y="0"/>
+          <a:chExt cx="0" cy="0"/>
+        </a:xfrm>
+      </p:grpSpPr>
+      <p:sp>
+        <p:nvSpPr>
+          <p:cNvPr id="2" name="Title 1">
+            <a:extLst>
+              <a:ext uri="{FF2B5EF4-FFF2-40B4-BE49-F238E27FC236}">
+                <a16:creationId xmlns:a16="http://schemas.microsoft.com/office/drawing/2014/main" id="{2A164329-71CA-4300-A5CF-D4CDB658CDFC}"/>
+              </a:ext>
+            </a:extLst>
+          </p:cNvPr>
+          <p:cNvSpPr>
+            <a:spLocks noGrp="1"/>
+          </p:cNvSpPr>
+          <p:nvPr>
+            <p:ph type="title"/>
+          </p:nvPr>
+        </p:nvSpPr>
+        <p:spPr/>
+        <p:txBody>
+          <a:bodyPr/>
+          <a:lstStyle/>
+          <a:p>
+            <a:pPr algn="ctr"/>
+            <a:r>
+              <a:rPr lang="en-US" b="1" dirty="0"/>
+              <a:t>AWS vs Azure vs Google: Compute</a:t>
+            </a:r>
+            <a:br>
+              <a:rPr lang="en-US" dirty="0"/>
+            </a:br>
+            <a:endParaRPr lang="ru-RU" dirty="0"/>
+          </a:p>
+        </p:txBody>
+      </p:sp>
+      <p:graphicFrame>
+        <p:nvGraphicFramePr>
+          <p:cNvPr id="5" name="Content Placeholder 4">
+            <a:extLst>
+              <a:ext uri="{FF2B5EF4-FFF2-40B4-BE49-F238E27FC236}">
+                <a16:creationId xmlns:a16="http://schemas.microsoft.com/office/drawing/2014/main" id="{5B49E34F-7F3D-4080-9B99-643F15D6B45C}"/>
+              </a:ext>
+            </a:extLst>
+          </p:cNvPr>
+          <p:cNvGraphicFramePr>
+            <a:graphicFrameLocks noGrp="1"/>
+          </p:cNvGraphicFramePr>
+          <p:nvPr>
+            <p:ph idx="1"/>
+            <p:extLst>
+              <p:ext uri="{D42A27DB-BD31-4B8C-83A1-F6EECF244321}">
+                <p14:modId xmlns:p14="http://schemas.microsoft.com/office/powerpoint/2010/main" val="1630640516"/>
+              </p:ext>
+            </p:extLst>
+          </p:nvPr>
+        </p:nvGraphicFramePr>
+        <p:xfrm>
+          <a:off x="1103313" y="2052638"/>
+          <a:ext cx="8947150" cy="2026920"/>
+        </p:xfrm>
+        <a:graphic>
+          <a:graphicData uri="http://schemas.openxmlformats.org/drawingml/2006/table">
+            <a:tbl>
+              <a:tblPr firstRow="1" bandRow="1">
+                <a:tableStyleId>{5C22544A-7EE6-4342-B048-85BDC9FD1C3A}</a:tableStyleId>
+              </a:tblPr>
+              <a:tblGrid>
+                <a:gridCol w="1789430">
+                  <a:extLst>
+                    <a:ext uri="{9D8B030D-6E8A-4147-A177-3AD203B41FA5}">
+                      <a16:colId xmlns:a16="http://schemas.microsoft.com/office/drawing/2014/main" val="2245593499"/>
+                    </a:ext>
+                  </a:extLst>
+                </a:gridCol>
+                <a:gridCol w="1789430">
+                  <a:extLst>
+                    <a:ext uri="{9D8B030D-6E8A-4147-A177-3AD203B41FA5}">
+                      <a16:colId xmlns:a16="http://schemas.microsoft.com/office/drawing/2014/main" val="3140499025"/>
+                    </a:ext>
+                  </a:extLst>
+                </a:gridCol>
+                <a:gridCol w="1789430">
+                  <a:extLst>
+                    <a:ext uri="{9D8B030D-6E8A-4147-A177-3AD203B41FA5}">
+                      <a16:colId xmlns:a16="http://schemas.microsoft.com/office/drawing/2014/main" val="853221036"/>
+                    </a:ext>
+                  </a:extLst>
+                </a:gridCol>
+                <a:gridCol w="1789430">
+                  <a:extLst>
+                    <a:ext uri="{9D8B030D-6E8A-4147-A177-3AD203B41FA5}">
+                      <a16:colId xmlns:a16="http://schemas.microsoft.com/office/drawing/2014/main" val="2349623811"/>
+                    </a:ext>
+                  </a:extLst>
+                </a:gridCol>
+                <a:gridCol w="1789430">
+                  <a:extLst>
+                    <a:ext uri="{9D8B030D-6E8A-4147-A177-3AD203B41FA5}">
+                      <a16:colId xmlns:a16="http://schemas.microsoft.com/office/drawing/2014/main" val="4031242525"/>
+                    </a:ext>
+                  </a:extLst>
+                </a:gridCol>
+              </a:tblGrid>
+              <a:tr h="370840">
+                <a:tc>
+                  <a:txBody>
+                    <a:bodyPr/>
+                    <a:lstStyle/>
+                    <a:p>
+                      <a:endParaRPr lang="ru-RU"/>
+                    </a:p>
+                  </a:txBody>
+                  <a:tcPr anchor="ctr"/>
+                </a:tc>
+                <a:tc>
+                  <a:txBody>
+                    <a:bodyPr/>
+                    <a:lstStyle/>
+                    <a:p>
+                      <a:pPr algn="ctr"/>
+                      <a:br>
+                        <a:rPr lang="en-US" dirty="0">
+                          <a:effectLst/>
+                        </a:rPr>
+                      </a:br>
+                      <a:r>
+                        <a:rPr lang="en-US" dirty="0">
+                          <a:effectLst/>
+                        </a:rPr>
+                        <a:t>Instance Families</a:t>
+                      </a:r>
+                    </a:p>
+                  </a:txBody>
+                  <a:tcPr anchor="ctr"/>
+                </a:tc>
+                <a:tc>
+                  <a:txBody>
+                    <a:bodyPr/>
+                    <a:lstStyle/>
+                    <a:p>
+                      <a:pPr algn="ctr"/>
+                      <a:r>
+                        <a:rPr lang="en-US" dirty="0">
+                          <a:effectLst/>
+                        </a:rPr>
+                        <a:t>Instances types</a:t>
+                      </a:r>
+                    </a:p>
+                  </a:txBody>
+                  <a:tcPr anchor="ctr"/>
+                </a:tc>
+                <a:tc>
+                  <a:txBody>
+                    <a:bodyPr/>
+                    <a:lstStyle/>
+                    <a:p>
+                      <a:pPr algn="ctr"/>
+                      <a:r>
+                        <a:rPr lang="en-US" dirty="0">
+                          <a:effectLst/>
+                        </a:rPr>
+                        <a:t>Regions</a:t>
+                      </a:r>
+                    </a:p>
+                  </a:txBody>
+                  <a:tcPr anchor="ctr"/>
+                </a:tc>
+                <a:tc>
+                  <a:txBody>
+                    <a:bodyPr/>
+                    <a:lstStyle/>
+                    <a:p>
+                      <a:pPr algn="ctr"/>
+                      <a:r>
+                        <a:rPr lang="en-US" dirty="0">
+                          <a:effectLst/>
+                        </a:rPr>
+                        <a:t>Zones</a:t>
+                      </a:r>
+                    </a:p>
+                  </a:txBody>
+                  <a:tcPr anchor="ctr"/>
+                </a:tc>
+                <a:extLst>
+                  <a:ext uri="{0D108BD9-81ED-4DB2-BD59-A6C34878D82A}">
+                    <a16:rowId xmlns:a16="http://schemas.microsoft.com/office/drawing/2014/main" val="1332645046"/>
+                  </a:ext>
+                </a:extLst>
+              </a:tr>
+              <a:tr h="370840">
+                <a:tc>
+                  <a:txBody>
+                    <a:bodyPr/>
+                    <a:lstStyle/>
+                    <a:p>
+                      <a:pPr algn="ctr"/>
+                      <a:r>
+                        <a:rPr lang="en-US">
+                          <a:effectLst/>
+                        </a:rPr>
+                        <a:t>AWS</a:t>
+                      </a:r>
+                    </a:p>
+                  </a:txBody>
+                  <a:tcPr anchor="ctr"/>
+                </a:tc>
+                <a:tc>
+                  <a:txBody>
+                    <a:bodyPr/>
+                    <a:lstStyle/>
+                    <a:p>
+                      <a:pPr algn="ctr"/>
+                      <a:r>
+                        <a:rPr lang="ru-RU" dirty="0">
+                          <a:effectLst/>
+                        </a:rPr>
+                        <a:t>7</a:t>
+                      </a:r>
+                    </a:p>
+                  </a:txBody>
+                  <a:tcPr anchor="ctr"/>
+                </a:tc>
+                <a:tc>
+                  <a:txBody>
+                    <a:bodyPr/>
+                    <a:lstStyle/>
+                    <a:p>
+                      <a:pPr algn="ctr"/>
+                      <a:r>
+                        <a:rPr lang="ru-RU">
+                          <a:effectLst/>
+                        </a:rPr>
+                        <a:t>38</a:t>
+                      </a:r>
+                    </a:p>
+                  </a:txBody>
+                  <a:tcPr anchor="ctr"/>
+                </a:tc>
+                <a:tc>
+                  <a:txBody>
+                    <a:bodyPr/>
+                    <a:lstStyle/>
+                    <a:p>
+                      <a:pPr algn="ctr"/>
+                      <a:r>
+                        <a:rPr lang="en-US">
+                          <a:effectLst/>
+                        </a:rPr>
+                        <a:t>Yes</a:t>
+                      </a:r>
+                    </a:p>
+                  </a:txBody>
+                  <a:tcPr anchor="ctr"/>
+                </a:tc>
+                <a:tc>
+                  <a:txBody>
+                    <a:bodyPr/>
+                    <a:lstStyle/>
+                    <a:p>
+                      <a:pPr algn="ctr"/>
+                      <a:r>
+                        <a:rPr lang="en-US">
+                          <a:effectLst/>
+                        </a:rPr>
+                        <a:t>Yes</a:t>
+                      </a:r>
+                    </a:p>
+                  </a:txBody>
+                  <a:tcPr anchor="ctr"/>
+                </a:tc>
+                <a:extLst>
+                  <a:ext uri="{0D108BD9-81ED-4DB2-BD59-A6C34878D82A}">
+                    <a16:rowId xmlns:a16="http://schemas.microsoft.com/office/drawing/2014/main" val="1000380809"/>
+                  </a:ext>
+                </a:extLst>
+              </a:tr>
+              <a:tr h="370840">
+                <a:tc>
+                  <a:txBody>
+                    <a:bodyPr/>
+                    <a:lstStyle/>
+                    <a:p>
+                      <a:pPr algn="ctr"/>
+                      <a:r>
+                        <a:rPr lang="en-US">
+                          <a:effectLst/>
+                        </a:rPr>
+                        <a:t>GCE</a:t>
+                      </a:r>
+                    </a:p>
+                  </a:txBody>
+                  <a:tcPr anchor="ctr"/>
+                </a:tc>
+                <a:tc>
+                  <a:txBody>
+                    <a:bodyPr/>
+                    <a:lstStyle/>
+                    <a:p>
+                      <a:pPr algn="ctr"/>
+                      <a:r>
+                        <a:rPr lang="ru-RU">
+                          <a:effectLst/>
+                        </a:rPr>
+                        <a:t>4</a:t>
+                      </a:r>
+                    </a:p>
+                  </a:txBody>
+                  <a:tcPr anchor="ctr"/>
+                </a:tc>
+                <a:tc>
+                  <a:txBody>
+                    <a:bodyPr/>
+                    <a:lstStyle/>
+                    <a:p>
+                      <a:pPr algn="ctr"/>
+                      <a:r>
+                        <a:rPr lang="ru-RU">
+                          <a:effectLst/>
+                        </a:rPr>
+                        <a:t>18</a:t>
+                      </a:r>
+                    </a:p>
+                  </a:txBody>
+                  <a:tcPr anchor="ctr"/>
+                </a:tc>
+                <a:tc>
+                  <a:txBody>
+                    <a:bodyPr/>
+                    <a:lstStyle/>
+                    <a:p>
+                      <a:pPr algn="ctr"/>
+                      <a:r>
+                        <a:rPr lang="en-US">
+                          <a:effectLst/>
+                        </a:rPr>
+                        <a:t>Yes</a:t>
+                      </a:r>
+                    </a:p>
+                  </a:txBody>
+                  <a:tcPr anchor="ctr"/>
+                </a:tc>
+                <a:tc>
+                  <a:txBody>
+                    <a:bodyPr/>
+                    <a:lstStyle/>
+                    <a:p>
+                      <a:pPr algn="ctr"/>
+                      <a:r>
+                        <a:rPr lang="en-US">
+                          <a:effectLst/>
+                        </a:rPr>
+                        <a:t>Yes</a:t>
+                      </a:r>
+                    </a:p>
+                  </a:txBody>
+                  <a:tcPr anchor="ctr"/>
+                </a:tc>
+                <a:extLst>
+                  <a:ext uri="{0D108BD9-81ED-4DB2-BD59-A6C34878D82A}">
+                    <a16:rowId xmlns:a16="http://schemas.microsoft.com/office/drawing/2014/main" val="1868112789"/>
+                  </a:ext>
+                </a:extLst>
+              </a:tr>
+              <a:tr h="370840">
+                <a:tc>
+                  <a:txBody>
+                    <a:bodyPr/>
+                    <a:lstStyle/>
+                    <a:p>
+                      <a:pPr algn="ctr"/>
+                      <a:r>
+                        <a:rPr lang="en-US">
+                          <a:effectLst/>
+                        </a:rPr>
+                        <a:t>Azure</a:t>
+                      </a:r>
+                    </a:p>
+                  </a:txBody>
+                  <a:tcPr anchor="ctr"/>
+                </a:tc>
+                <a:tc>
+                  <a:txBody>
+                    <a:bodyPr/>
+                    <a:lstStyle/>
+                    <a:p>
+                      <a:pPr algn="ctr"/>
+                      <a:r>
+                        <a:rPr lang="ru-RU">
+                          <a:effectLst/>
+                        </a:rPr>
+                        <a:t>4</a:t>
+                      </a:r>
+                    </a:p>
+                  </a:txBody>
+                  <a:tcPr anchor="ctr"/>
+                </a:tc>
+                <a:tc>
+                  <a:txBody>
+                    <a:bodyPr/>
+                    <a:lstStyle/>
+                    <a:p>
+                      <a:pPr algn="ctr"/>
+                      <a:r>
+                        <a:rPr lang="ru-RU">
+                          <a:effectLst/>
+                        </a:rPr>
+                        <a:t>33</a:t>
+                      </a:r>
+                    </a:p>
+                  </a:txBody>
+                  <a:tcPr anchor="ctr"/>
+                </a:tc>
+                <a:tc>
+                  <a:txBody>
+                    <a:bodyPr/>
+                    <a:lstStyle/>
+                    <a:p>
+                      <a:pPr algn="ctr"/>
+                      <a:r>
+                        <a:rPr lang="en-US">
+                          <a:effectLst/>
+                        </a:rPr>
+                        <a:t>Yes</a:t>
+                      </a:r>
+                    </a:p>
+                  </a:txBody>
+                  <a:tcPr anchor="ctr"/>
+                </a:tc>
+                <a:tc>
+                  <a:txBody>
+                    <a:bodyPr/>
+                    <a:lstStyle/>
+                    <a:p>
+                      <a:endParaRPr lang="ru-RU" dirty="0"/>
+                    </a:p>
+                  </a:txBody>
+                  <a:tcPr/>
+                </a:tc>
+                <a:extLst>
+                  <a:ext uri="{0D108BD9-81ED-4DB2-BD59-A6C34878D82A}">
+                    <a16:rowId xmlns:a16="http://schemas.microsoft.com/office/drawing/2014/main" val="125169631"/>
+                  </a:ext>
+                </a:extLst>
+              </a:tr>
+            </a:tbl>
+          </a:graphicData>
+        </a:graphic>
+      </p:graphicFrame>
+    </p:spTree>
+    <p:extLst>
+      <p:ext uri="{BB962C8B-B14F-4D97-AF65-F5344CB8AC3E}">
+        <p14:creationId xmlns:p14="http://schemas.microsoft.com/office/powerpoint/2010/main" val="200024940"/>
+      </p:ext>
+    </p:extLst>
+  </p:cSld>
+  <p:clrMapOvr>
+    <a:masterClrMapping/>
+  </p:clrMapOvr>
+</p:sld>
+</file>
+
+<file path=ppt/slides/slide3.xml><?xml version="1.0" encoding="utf-8"?>
+<p:sld xmlns:a="http://schemas.openxmlformats.org/drawingml/2006/main" xmlns:r="http://schemas.openxmlformats.org/officeDocument/2006/relationships" xmlns:p="http://schemas.openxmlformats.org/presentationml/2006/main">
+  <p:cSld>
+    <p:spTree>
+      <p:nvGrpSpPr>
+        <p:cNvPr id="1" name=""/>
+        <p:cNvGrpSpPr/>
+        <p:nvPr/>
+      </p:nvGrpSpPr>
+      <p:grpSpPr>
+        <a:xfrm>
+          <a:off x="0" y="0"/>
+          <a:ext cx="0" cy="0"/>
+          <a:chOff x="0" y="0"/>
+          <a:chExt cx="0" cy="0"/>
+        </a:xfrm>
+      </p:grpSpPr>
+      <p:sp>
+        <p:nvSpPr>
+          <p:cNvPr id="2" name="Title 1">
+            <a:extLst>
+              <a:ext uri="{FF2B5EF4-FFF2-40B4-BE49-F238E27FC236}">
+                <a16:creationId xmlns:a16="http://schemas.microsoft.com/office/drawing/2014/main" id="{8164AFB8-6FFD-473F-B7E1-7F3EB6426155}"/>
+              </a:ext>
+            </a:extLst>
+          </p:cNvPr>
+          <p:cNvSpPr>
+            <a:spLocks noGrp="1"/>
+          </p:cNvSpPr>
+          <p:nvPr>
+            <p:ph type="title"/>
+          </p:nvPr>
+        </p:nvSpPr>
+        <p:spPr/>
+        <p:txBody>
+          <a:bodyPr/>
+          <a:lstStyle/>
+          <a:p>
+            <a:pPr algn="ctr"/>
+            <a:r>
+              <a:rPr lang="en-US" b="1" dirty="0"/>
+              <a:t>AWS vs Azure vs Google: Storage and databases</a:t>
+            </a:r>
+            <a:br>
+              <a:rPr lang="en-US" dirty="0"/>
+            </a:br>
+            <a:endParaRPr lang="ru-RU" dirty="0"/>
+          </a:p>
+        </p:txBody>
+      </p:sp>
+      <p:graphicFrame>
+        <p:nvGraphicFramePr>
+          <p:cNvPr id="5" name="Content Placeholder 4">
+            <a:extLst>
+              <a:ext uri="{FF2B5EF4-FFF2-40B4-BE49-F238E27FC236}">
+                <a16:creationId xmlns:a16="http://schemas.microsoft.com/office/drawing/2014/main" id="{19ECB3EC-9730-4740-AC6B-4AC7F0606CC2}"/>
+              </a:ext>
+            </a:extLst>
+          </p:cNvPr>
+          <p:cNvGraphicFramePr>
+            <a:graphicFrameLocks noGrp="1"/>
+          </p:cNvGraphicFramePr>
+          <p:nvPr>
+            <p:ph idx="1"/>
+            <p:extLst>
+              <p:ext uri="{D42A27DB-BD31-4B8C-83A1-F6EECF244321}">
+                <p14:modId xmlns:p14="http://schemas.microsoft.com/office/powerpoint/2010/main" val="98813866"/>
+              </p:ext>
+            </p:extLst>
+          </p:nvPr>
+        </p:nvGraphicFramePr>
+        <p:xfrm>
+          <a:off x="352338" y="2052638"/>
+          <a:ext cx="10796632" cy="3108960"/>
+        </p:xfrm>
+        <a:graphic>
+          <a:graphicData uri="http://schemas.openxmlformats.org/drawingml/2006/table">
+            <a:tbl>
+              <a:tblPr firstRow="1" bandRow="1">
+                <a:tableStyleId>{5C22544A-7EE6-4342-B048-85BDC9FD1C3A}</a:tableStyleId>
+              </a:tblPr>
+              <a:tblGrid>
+                <a:gridCol w="850644">
+                  <a:extLst>
+                    <a:ext uri="{9D8B030D-6E8A-4147-A177-3AD203B41FA5}">
+                      <a16:colId xmlns:a16="http://schemas.microsoft.com/office/drawing/2014/main" val="2199950629"/>
+                    </a:ext>
+                  </a:extLst>
+                </a:gridCol>
+                <a:gridCol w="2093891">
+                  <a:extLst>
+                    <a:ext uri="{9D8B030D-6E8A-4147-A177-3AD203B41FA5}">
+                      <a16:colId xmlns:a16="http://schemas.microsoft.com/office/drawing/2014/main" val="3666846904"/>
+                    </a:ext>
+                  </a:extLst>
+                </a:gridCol>
+                <a:gridCol w="1682593">
+                  <a:extLst>
+                    <a:ext uri="{9D8B030D-6E8A-4147-A177-3AD203B41FA5}">
+                      <a16:colId xmlns:a16="http://schemas.microsoft.com/office/drawing/2014/main" val="4098080782"/>
+                    </a:ext>
+                  </a:extLst>
+                </a:gridCol>
+                <a:gridCol w="1542376">
+                  <a:extLst>
+                    <a:ext uri="{9D8B030D-6E8A-4147-A177-3AD203B41FA5}">
+                      <a16:colId xmlns:a16="http://schemas.microsoft.com/office/drawing/2014/main" val="940620002"/>
+                    </a:ext>
+                  </a:extLst>
+                </a:gridCol>
+                <a:gridCol w="1453572">
+                  <a:extLst>
+                    <a:ext uri="{9D8B030D-6E8A-4147-A177-3AD203B41FA5}">
+                      <a16:colId xmlns:a16="http://schemas.microsoft.com/office/drawing/2014/main" val="2601866178"/>
+                    </a:ext>
+                  </a:extLst>
+                </a:gridCol>
+                <a:gridCol w="1210532">
+                  <a:extLst>
+                    <a:ext uri="{9D8B030D-6E8A-4147-A177-3AD203B41FA5}">
+                      <a16:colId xmlns:a16="http://schemas.microsoft.com/office/drawing/2014/main" val="1188563668"/>
+                    </a:ext>
+                  </a:extLst>
+                </a:gridCol>
+                <a:gridCol w="1963024">
+                  <a:extLst>
+                    <a:ext uri="{9D8B030D-6E8A-4147-A177-3AD203B41FA5}">
+                      <a16:colId xmlns:a16="http://schemas.microsoft.com/office/drawing/2014/main" val="1737722433"/>
+                    </a:ext>
+                  </a:extLst>
+                </a:gridCol>
+              </a:tblGrid>
+              <a:tr h="370840">
+                <a:tc>
+                  <a:txBody>
+                    <a:bodyPr/>
+                    <a:lstStyle/>
+                    <a:p>
+                      <a:endParaRPr lang="ru-RU" dirty="0"/>
+                    </a:p>
+                  </a:txBody>
+                  <a:tcPr/>
+                </a:tc>
+                <a:tc>
+                  <a:txBody>
+                    <a:bodyPr/>
+                    <a:lstStyle/>
+                    <a:p>
+                      <a:r>
+                        <a:rPr lang="en-US" dirty="0">
+                          <a:effectLst/>
+                        </a:rPr>
+                        <a:t>Ephemeral (Temporary)</a:t>
+                      </a:r>
+                    </a:p>
+                  </a:txBody>
+                  <a:tcPr anchor="ctr"/>
+                </a:tc>
+                <a:tc>
+                  <a:txBody>
+                    <a:bodyPr/>
+                    <a:lstStyle/>
+                    <a:p>
+                      <a:r>
+                        <a:rPr lang="en-US">
+                          <a:effectLst/>
+                        </a:rPr>
+                        <a:t>Block Storage</a:t>
+                      </a:r>
+                    </a:p>
+                  </a:txBody>
+                  <a:tcPr anchor="ctr"/>
+                </a:tc>
+                <a:tc>
+                  <a:txBody>
+                    <a:bodyPr/>
+                    <a:lstStyle/>
+                    <a:p>
+                      <a:r>
+                        <a:rPr lang="en-US">
+                          <a:effectLst/>
+                        </a:rPr>
+                        <a:t>Object Storage</a:t>
+                      </a:r>
+                    </a:p>
+                  </a:txBody>
+                  <a:tcPr anchor="ctr"/>
+                </a:tc>
+                <a:tc>
+                  <a:txBody>
+                    <a:bodyPr/>
+                    <a:lstStyle/>
+                    <a:p>
+                      <a:r>
+                        <a:rPr lang="en-US">
+                          <a:effectLst/>
+                        </a:rPr>
+                        <a:t>Relational DB</a:t>
+                      </a:r>
+                    </a:p>
+                  </a:txBody>
+                  <a:tcPr anchor="ctr"/>
+                </a:tc>
+                <a:tc>
+                  <a:txBody>
+                    <a:bodyPr/>
+                    <a:lstStyle/>
+                    <a:p>
+                      <a:r>
+                        <a:rPr lang="en-US">
+                          <a:effectLst/>
+                        </a:rPr>
+                        <a:t>Archiving</a:t>
+                      </a:r>
+                    </a:p>
+                  </a:txBody>
+                  <a:tcPr anchor="ctr"/>
+                </a:tc>
+                <a:tc>
+                  <a:txBody>
+                    <a:bodyPr/>
+                    <a:lstStyle/>
+                    <a:p>
+                      <a:r>
+                        <a:rPr lang="en-US" dirty="0">
+                          <a:effectLst/>
+                        </a:rPr>
+                        <a:t>NoSQL and Big Data</a:t>
+                      </a:r>
+                    </a:p>
+                  </a:txBody>
+                  <a:tcPr anchor="ctr"/>
+                </a:tc>
+                <a:extLst>
+                  <a:ext uri="{0D108BD9-81ED-4DB2-BD59-A6C34878D82A}">
+                    <a16:rowId xmlns:a16="http://schemas.microsoft.com/office/drawing/2014/main" val="3873426959"/>
+                  </a:ext>
+                </a:extLst>
+              </a:tr>
+              <a:tr h="370840">
+                <a:tc>
+                  <a:txBody>
+                    <a:bodyPr/>
+                    <a:lstStyle/>
+                    <a:p>
+                      <a:r>
+                        <a:rPr lang="en-US" dirty="0">
+                          <a:effectLst/>
+                        </a:rPr>
+                        <a:t>AWS</a:t>
+                      </a:r>
+                    </a:p>
+                  </a:txBody>
+                  <a:tcPr anchor="ctr"/>
+                </a:tc>
+                <a:tc>
+                  <a:txBody>
+                    <a:bodyPr/>
+                    <a:lstStyle/>
+                    <a:p>
+                      <a:r>
+                        <a:rPr lang="en-US">
+                          <a:effectLst/>
+                        </a:rPr>
+                        <a:t>Yes</a:t>
+                      </a:r>
+                    </a:p>
+                  </a:txBody>
+                  <a:tcPr anchor="ctr"/>
+                </a:tc>
+                <a:tc>
+                  <a:txBody>
+                    <a:bodyPr/>
+                    <a:lstStyle/>
+                    <a:p>
+                      <a:r>
+                        <a:rPr lang="en-US">
+                          <a:effectLst/>
+                        </a:rPr>
+                        <a:t>EBS</a:t>
+                      </a:r>
+                    </a:p>
+                  </a:txBody>
+                  <a:tcPr anchor="ctr"/>
+                </a:tc>
+                <a:tc>
+                  <a:txBody>
+                    <a:bodyPr/>
+                    <a:lstStyle/>
+                    <a:p>
+                      <a:r>
+                        <a:rPr lang="en-US">
+                          <a:effectLst/>
+                        </a:rPr>
+                        <a:t>S3</a:t>
+                      </a:r>
+                    </a:p>
+                  </a:txBody>
+                  <a:tcPr anchor="ctr"/>
+                </a:tc>
+                <a:tc>
+                  <a:txBody>
+                    <a:bodyPr/>
+                    <a:lstStyle/>
+                    <a:p>
+                      <a:r>
+                        <a:rPr lang="en-US">
+                          <a:effectLst/>
+                        </a:rPr>
+                        <a:t>RDS</a:t>
+                      </a:r>
+                    </a:p>
+                  </a:txBody>
+                  <a:tcPr anchor="ctr"/>
+                </a:tc>
+                <a:tc>
+                  <a:txBody>
+                    <a:bodyPr/>
+                    <a:lstStyle/>
+                    <a:p>
+                      <a:r>
+                        <a:rPr lang="en-US">
+                          <a:effectLst/>
+                        </a:rPr>
+                        <a:t>Glacier</a:t>
+                      </a:r>
+                    </a:p>
+                  </a:txBody>
+                  <a:tcPr anchor="ctr"/>
+                </a:tc>
+                <a:tc>
+                  <a:txBody>
+                    <a:bodyPr/>
+                    <a:lstStyle/>
+                    <a:p>
+                      <a:r>
+                        <a:rPr lang="en-US" dirty="0">
+                          <a:effectLst/>
+                        </a:rPr>
+                        <a:t>DynamoDB, EMR, Kinesis, Redshift</a:t>
+                      </a:r>
+                    </a:p>
+                  </a:txBody>
+                  <a:tcPr anchor="ctr"/>
+                </a:tc>
+                <a:extLst>
+                  <a:ext uri="{0D108BD9-81ED-4DB2-BD59-A6C34878D82A}">
+                    <a16:rowId xmlns:a16="http://schemas.microsoft.com/office/drawing/2014/main" val="2073971372"/>
+                  </a:ext>
+                </a:extLst>
+              </a:tr>
+              <a:tr h="370840">
+                <a:tc>
+                  <a:txBody>
+                    <a:bodyPr/>
+                    <a:lstStyle/>
+                    <a:p>
+                      <a:r>
+                        <a:rPr lang="en-US" dirty="0">
+                          <a:effectLst/>
+                        </a:rPr>
+                        <a:t>GCP</a:t>
+                      </a:r>
+                    </a:p>
+                  </a:txBody>
+                  <a:tcPr anchor="ctr"/>
+                </a:tc>
+                <a:tc>
+                  <a:txBody>
+                    <a:bodyPr/>
+                    <a:lstStyle/>
+                    <a:p>
+                      <a:r>
+                        <a:rPr lang="en-US">
+                          <a:effectLst/>
+                        </a:rPr>
+                        <a:t>Yes</a:t>
+                      </a:r>
+                    </a:p>
+                  </a:txBody>
+                  <a:tcPr anchor="ctr"/>
+                </a:tc>
+                <a:tc>
+                  <a:txBody>
+                    <a:bodyPr/>
+                    <a:lstStyle/>
+                    <a:p>
+                      <a:r>
+                        <a:rPr lang="en-US">
+                          <a:effectLst/>
+                        </a:rPr>
+                        <a:t>Persistent disks</a:t>
+                      </a:r>
+                    </a:p>
+                  </a:txBody>
+                  <a:tcPr anchor="ctr"/>
+                </a:tc>
+                <a:tc>
+                  <a:txBody>
+                    <a:bodyPr/>
+                    <a:lstStyle/>
+                    <a:p>
+                      <a:r>
+                        <a:rPr lang="en-US">
+                          <a:effectLst/>
+                        </a:rPr>
+                        <a:t>Google Cloud Storage</a:t>
+                      </a:r>
+                    </a:p>
+                  </a:txBody>
+                  <a:tcPr anchor="ctr"/>
+                </a:tc>
+                <a:tc>
+                  <a:txBody>
+                    <a:bodyPr/>
+                    <a:lstStyle/>
+                    <a:p>
+                      <a:r>
+                        <a:rPr lang="en-US" dirty="0">
+                          <a:effectLst/>
+                        </a:rPr>
+                        <a:t>Google Cloud SQL</a:t>
+                      </a:r>
+                    </a:p>
+                  </a:txBody>
+                  <a:tcPr anchor="ctr"/>
+                </a:tc>
+                <a:tc>
+                  <a:txBody>
+                    <a:bodyPr/>
+                    <a:lstStyle/>
+                    <a:p>
+                      <a:r>
+                        <a:rPr lang="en-US">
+                          <a:effectLst/>
+                        </a:rPr>
+                        <a:t> Nearline</a:t>
+                      </a:r>
+                    </a:p>
+                  </a:txBody>
+                  <a:tcPr anchor="ctr"/>
+                </a:tc>
+                <a:tc>
+                  <a:txBody>
+                    <a:bodyPr/>
+                    <a:lstStyle/>
+                    <a:p>
+                      <a:r>
+                        <a:rPr lang="en-US" dirty="0">
+                          <a:effectLst/>
+                        </a:rPr>
+                        <a:t>Cloud Datastore, Big Query, Hadoop</a:t>
+                      </a:r>
+                    </a:p>
+                  </a:txBody>
+                  <a:tcPr anchor="ctr"/>
+                </a:tc>
+                <a:extLst>
+                  <a:ext uri="{0D108BD9-81ED-4DB2-BD59-A6C34878D82A}">
+                    <a16:rowId xmlns:a16="http://schemas.microsoft.com/office/drawing/2014/main" val="2674580559"/>
+                  </a:ext>
+                </a:extLst>
+              </a:tr>
+              <a:tr h="370840">
+                <a:tc>
+                  <a:txBody>
+                    <a:bodyPr/>
+                    <a:lstStyle/>
+                    <a:p>
+                      <a:r>
+                        <a:rPr lang="en-US" dirty="0">
+                          <a:effectLst/>
+                        </a:rPr>
+                        <a:t>Azure</a:t>
+                      </a:r>
+                    </a:p>
+                  </a:txBody>
+                  <a:tcPr anchor="ctr"/>
+                </a:tc>
+                <a:tc>
+                  <a:txBody>
+                    <a:bodyPr/>
+                    <a:lstStyle/>
+                    <a:p>
+                      <a:r>
+                        <a:rPr lang="en-US">
+                          <a:effectLst/>
+                        </a:rPr>
+                        <a:t>Temporary Storage – D Drive</a:t>
+                      </a:r>
+                    </a:p>
+                  </a:txBody>
+                  <a:tcPr anchor="ctr"/>
+                </a:tc>
+                <a:tc>
+                  <a:txBody>
+                    <a:bodyPr/>
+                    <a:lstStyle/>
+                    <a:p>
+                      <a:r>
+                        <a:rPr lang="en-US">
+                          <a:effectLst/>
+                        </a:rPr>
+                        <a:t>Page Blobs</a:t>
+                      </a:r>
+                    </a:p>
+                  </a:txBody>
+                  <a:tcPr anchor="ctr"/>
+                </a:tc>
+                <a:tc>
+                  <a:txBody>
+                    <a:bodyPr/>
+                    <a:lstStyle/>
+                    <a:p>
+                      <a:r>
+                        <a:rPr lang="en-US">
+                          <a:effectLst/>
+                        </a:rPr>
+                        <a:t>Block Blobs and Files</a:t>
+                      </a:r>
+                    </a:p>
+                  </a:txBody>
+                  <a:tcPr anchor="ctr"/>
+                </a:tc>
+                <a:tc>
+                  <a:txBody>
+                    <a:bodyPr/>
+                    <a:lstStyle/>
+                    <a:p>
+                      <a:r>
+                        <a:rPr lang="en-US">
+                          <a:effectLst/>
+                        </a:rPr>
+                        <a:t>Relational DBs</a:t>
+                      </a:r>
+                    </a:p>
+                  </a:txBody>
+                  <a:tcPr anchor="ctr"/>
+                </a:tc>
+                <a:tc>
+                  <a:txBody>
+                    <a:bodyPr/>
+                    <a:lstStyle/>
+                    <a:p>
+                      <a:endParaRPr lang="ru-RU">
+                        <a:effectLst/>
+                      </a:endParaRPr>
+                    </a:p>
+                  </a:txBody>
+                  <a:tcPr anchor="ctr"/>
+                </a:tc>
+                <a:tc>
+                  <a:txBody>
+                    <a:bodyPr/>
+                    <a:lstStyle/>
+                    <a:p>
+                      <a:r>
+                        <a:rPr lang="en-US" dirty="0">
+                          <a:effectLst/>
+                        </a:rPr>
+                        <a:t>Windows Azure Table, HDInsight</a:t>
+                      </a:r>
+                    </a:p>
+                  </a:txBody>
+                  <a:tcPr anchor="ctr"/>
+                </a:tc>
+                <a:extLst>
+                  <a:ext uri="{0D108BD9-81ED-4DB2-BD59-A6C34878D82A}">
+                    <a16:rowId xmlns:a16="http://schemas.microsoft.com/office/drawing/2014/main" val="3879620862"/>
+                  </a:ext>
+                </a:extLst>
+              </a:tr>
+            </a:tbl>
+          </a:graphicData>
+        </a:graphic>
+      </p:graphicFrame>
+    </p:spTree>
+    <p:extLst>
+      <p:ext uri="{BB962C8B-B14F-4D97-AF65-F5344CB8AC3E}">
+        <p14:creationId xmlns:p14="http://schemas.microsoft.com/office/powerpoint/2010/main" val="244180197"/>
+      </p:ext>
+    </p:extLst>
+  </p:cSld>
+  <p:clrMapOvr>
+    <a:masterClrMapping/>
+  </p:clrMapOvr>
+</p:sld>
+</file>
+
+<file path=ppt/slides/slide4.xml><?xml version="1.0" encoding="utf-8"?>
+<p:sld xmlns:a="http://schemas.openxmlformats.org/drawingml/2006/main" xmlns:r="http://schemas.openxmlformats.org/officeDocument/2006/relationships" xmlns:p="http://schemas.openxmlformats.org/presentationml/2006/main">
+  <p:cSld>
+    <p:spTree>
+      <p:nvGrpSpPr>
+        <p:cNvPr id="1" name=""/>
+        <p:cNvGrpSpPr/>
+        <p:nvPr/>
+      </p:nvGrpSpPr>
+      <p:grpSpPr>
+        <a:xfrm>
+          <a:off x="0" y="0"/>
+          <a:ext cx="0" cy="0"/>
+          <a:chOff x="0" y="0"/>
+          <a:chExt cx="0" cy="0"/>
+        </a:xfrm>
+      </p:grpSpPr>
+      <p:sp>
+        <p:nvSpPr>
+          <p:cNvPr id="2" name="Title 1">
+            <a:extLst>
+              <a:ext uri="{FF2B5EF4-FFF2-40B4-BE49-F238E27FC236}">
+                <a16:creationId xmlns:a16="http://schemas.microsoft.com/office/drawing/2014/main" id="{AB8F257E-62D2-414F-A99F-70ED0F701111}"/>
+              </a:ext>
+            </a:extLst>
+          </p:cNvPr>
+          <p:cNvSpPr>
+            <a:spLocks noGrp="1"/>
+          </p:cNvSpPr>
+          <p:nvPr>
+            <p:ph type="title"/>
+          </p:nvPr>
+        </p:nvSpPr>
+        <p:spPr/>
+        <p:txBody>
+          <a:bodyPr/>
+          <a:lstStyle/>
+          <a:p>
+            <a:pPr algn="ctr"/>
+            <a:r>
+              <a:rPr lang="en-US" b="1" dirty="0"/>
+              <a:t>AWS vs Azure vs Google: Networking</a:t>
+            </a:r>
+            <a:br>
+              <a:rPr lang="en-US" dirty="0"/>
+            </a:br>
+            <a:endParaRPr lang="ru-RU" dirty="0"/>
+          </a:p>
+        </p:txBody>
+      </p:sp>
+      <p:graphicFrame>
+        <p:nvGraphicFramePr>
+          <p:cNvPr id="4" name="Content Placeholder 3">
+            <a:extLst>
+              <a:ext uri="{FF2B5EF4-FFF2-40B4-BE49-F238E27FC236}">
+                <a16:creationId xmlns:a16="http://schemas.microsoft.com/office/drawing/2014/main" id="{29B89F6D-DEAD-4476-A924-1ED640C3C201}"/>
+              </a:ext>
+            </a:extLst>
+          </p:cNvPr>
+          <p:cNvGraphicFramePr>
+            <a:graphicFrameLocks noGrp="1"/>
+          </p:cNvGraphicFramePr>
+          <p:nvPr>
+            <p:ph idx="1"/>
+            <p:extLst>
+              <p:ext uri="{D42A27DB-BD31-4B8C-83A1-F6EECF244321}">
+                <p14:modId xmlns:p14="http://schemas.microsoft.com/office/powerpoint/2010/main" val="617983026"/>
+              </p:ext>
+            </p:extLst>
+          </p:nvPr>
+        </p:nvGraphicFramePr>
+        <p:xfrm>
+          <a:off x="1073791" y="2052638"/>
+          <a:ext cx="9295003" cy="1752600"/>
+        </p:xfrm>
+        <a:graphic>
+          <a:graphicData uri="http://schemas.openxmlformats.org/drawingml/2006/table">
+            <a:tbl>
+              <a:tblPr firstRow="1" bandRow="1">
+                <a:tableStyleId>{5C22544A-7EE6-4342-B048-85BDC9FD1C3A}</a:tableStyleId>
+              </a:tblPr>
+              <a:tblGrid>
+                <a:gridCol w="1123338">
+                  <a:extLst>
+                    <a:ext uri="{9D8B030D-6E8A-4147-A177-3AD203B41FA5}">
+                      <a16:colId xmlns:a16="http://schemas.microsoft.com/office/drawing/2014/main" val="4165908143"/>
+                    </a:ext>
+                  </a:extLst>
+                </a:gridCol>
+                <a:gridCol w="1974997">
+                  <a:extLst>
+                    <a:ext uri="{9D8B030D-6E8A-4147-A177-3AD203B41FA5}">
+                      <a16:colId xmlns:a16="http://schemas.microsoft.com/office/drawing/2014/main" val="435473182"/>
+                    </a:ext>
+                  </a:extLst>
+                </a:gridCol>
+                <a:gridCol w="1549167">
+                  <a:extLst>
+                    <a:ext uri="{9D8B030D-6E8A-4147-A177-3AD203B41FA5}">
+                      <a16:colId xmlns:a16="http://schemas.microsoft.com/office/drawing/2014/main" val="181410640"/>
+                    </a:ext>
+                  </a:extLst>
+                </a:gridCol>
+                <a:gridCol w="1549167">
+                  <a:extLst>
+                    <a:ext uri="{9D8B030D-6E8A-4147-A177-3AD203B41FA5}">
+                      <a16:colId xmlns:a16="http://schemas.microsoft.com/office/drawing/2014/main" val="1779186099"/>
+                    </a:ext>
+                  </a:extLst>
+                </a:gridCol>
+                <a:gridCol w="1563147">
+                  <a:extLst>
+                    <a:ext uri="{9D8B030D-6E8A-4147-A177-3AD203B41FA5}">
+                      <a16:colId xmlns:a16="http://schemas.microsoft.com/office/drawing/2014/main" val="566857763"/>
+                    </a:ext>
+                  </a:extLst>
+                </a:gridCol>
+                <a:gridCol w="1535187">
+                  <a:extLst>
+                    <a:ext uri="{9D8B030D-6E8A-4147-A177-3AD203B41FA5}">
+                      <a16:colId xmlns:a16="http://schemas.microsoft.com/office/drawing/2014/main" val="1840181442"/>
+                    </a:ext>
+                  </a:extLst>
+                </a:gridCol>
+              </a:tblGrid>
+              <a:tr h="370840">
+                <a:tc>
+                  <a:txBody>
+                    <a:bodyPr/>
+                    <a:lstStyle/>
+                    <a:p>
+                      <a:endParaRPr lang="ru-RU" dirty="0"/>
+                    </a:p>
+                  </a:txBody>
+                  <a:tcPr/>
+                </a:tc>
+                <a:tc>
+                  <a:txBody>
+                    <a:bodyPr/>
+                    <a:lstStyle/>
+                    <a:p>
+                      <a:r>
+                        <a:rPr lang="en-US" dirty="0">
+                          <a:effectLst/>
+                        </a:rPr>
+                        <a:t>Virtual network</a:t>
+                      </a:r>
+                    </a:p>
+                  </a:txBody>
+                  <a:tcPr anchor="ctr"/>
+                </a:tc>
+                <a:tc>
+                  <a:txBody>
+                    <a:bodyPr/>
+                    <a:lstStyle/>
+                    <a:p>
+                      <a:r>
+                        <a:rPr lang="en-US">
+                          <a:effectLst/>
+                        </a:rPr>
+                        <a:t>Public IP</a:t>
+                      </a:r>
+                    </a:p>
+                  </a:txBody>
+                  <a:tcPr anchor="ctr"/>
+                </a:tc>
+                <a:tc>
+                  <a:txBody>
+                    <a:bodyPr/>
+                    <a:lstStyle/>
+                    <a:p>
+                      <a:r>
+                        <a:rPr lang="en-US">
+                          <a:effectLst/>
+                        </a:rPr>
+                        <a:t>Hybrid Cloud</a:t>
+                      </a:r>
+                    </a:p>
+                  </a:txBody>
+                  <a:tcPr anchor="ctr"/>
+                </a:tc>
+                <a:tc>
+                  <a:txBody>
+                    <a:bodyPr/>
+                    <a:lstStyle/>
+                    <a:p>
+                      <a:r>
+                        <a:rPr lang="en-US">
+                          <a:effectLst/>
+                        </a:rPr>
+                        <a:t>DNS</a:t>
+                      </a:r>
+                    </a:p>
+                  </a:txBody>
+                  <a:tcPr anchor="ctr"/>
+                </a:tc>
+                <a:tc>
+                  <a:txBody>
+                    <a:bodyPr/>
+                    <a:lstStyle/>
+                    <a:p>
+                      <a:r>
+                        <a:rPr lang="en-US" dirty="0">
+                          <a:effectLst/>
+                        </a:rPr>
+                        <a:t>Firewall/ACL</a:t>
+                      </a:r>
+                    </a:p>
+                  </a:txBody>
+                  <a:tcPr anchor="ctr"/>
+                </a:tc>
+                <a:extLst>
+                  <a:ext uri="{0D108BD9-81ED-4DB2-BD59-A6C34878D82A}">
+                    <a16:rowId xmlns:a16="http://schemas.microsoft.com/office/drawing/2014/main" val="2444478547"/>
+                  </a:ext>
+                </a:extLst>
+              </a:tr>
+              <a:tr h="370840">
+                <a:tc>
+                  <a:txBody>
+                    <a:bodyPr/>
+                    <a:lstStyle/>
+                    <a:p>
+                      <a:r>
+                        <a:rPr lang="en-US" dirty="0">
+                          <a:effectLst/>
+                        </a:rPr>
+                        <a:t>AWS</a:t>
+                      </a:r>
+                    </a:p>
+                  </a:txBody>
+                  <a:tcPr anchor="ctr"/>
+                </a:tc>
+                <a:tc>
+                  <a:txBody>
+                    <a:bodyPr/>
+                    <a:lstStyle/>
+                    <a:p>
+                      <a:r>
+                        <a:rPr lang="en-US">
+                          <a:effectLst/>
+                        </a:rPr>
+                        <a:t>VPC</a:t>
+                      </a:r>
+                    </a:p>
+                  </a:txBody>
+                  <a:tcPr anchor="ctr"/>
+                </a:tc>
+                <a:tc>
+                  <a:txBody>
+                    <a:bodyPr/>
+                    <a:lstStyle/>
+                    <a:p>
+                      <a:r>
+                        <a:rPr lang="en-US">
+                          <a:effectLst/>
+                        </a:rPr>
+                        <a:t>Yes</a:t>
+                      </a:r>
+                    </a:p>
+                  </a:txBody>
+                  <a:tcPr anchor="ctr"/>
+                </a:tc>
+                <a:tc>
+                  <a:txBody>
+                    <a:bodyPr/>
+                    <a:lstStyle/>
+                    <a:p>
+                      <a:r>
+                        <a:rPr lang="en-US">
+                          <a:effectLst/>
+                        </a:rPr>
+                        <a:t>Yes</a:t>
+                      </a:r>
+                    </a:p>
+                  </a:txBody>
+                  <a:tcPr anchor="ctr"/>
+                </a:tc>
+                <a:tc>
+                  <a:txBody>
+                    <a:bodyPr/>
+                    <a:lstStyle/>
+                    <a:p>
+                      <a:r>
+                        <a:rPr lang="en-US">
+                          <a:effectLst/>
+                        </a:rPr>
+                        <a:t>Route 53</a:t>
+                      </a:r>
+                    </a:p>
+                  </a:txBody>
+                  <a:tcPr anchor="ctr"/>
+                </a:tc>
+                <a:tc>
+                  <a:txBody>
+                    <a:bodyPr/>
+                    <a:lstStyle/>
+                    <a:p>
+                      <a:r>
+                        <a:rPr lang="en-US">
+                          <a:effectLst/>
+                        </a:rPr>
+                        <a:t>Yes</a:t>
+                      </a:r>
+                    </a:p>
+                  </a:txBody>
+                  <a:tcPr anchor="ctr"/>
+                </a:tc>
+                <a:extLst>
+                  <a:ext uri="{0D108BD9-81ED-4DB2-BD59-A6C34878D82A}">
+                    <a16:rowId xmlns:a16="http://schemas.microsoft.com/office/drawing/2014/main" val="4001191186"/>
+                  </a:ext>
+                </a:extLst>
+              </a:tr>
+              <a:tr h="370840">
+                <a:tc>
+                  <a:txBody>
+                    <a:bodyPr/>
+                    <a:lstStyle/>
+                    <a:p>
+                      <a:r>
+                        <a:rPr lang="en-US">
+                          <a:effectLst/>
+                        </a:rPr>
+                        <a:t>GCP</a:t>
+                      </a:r>
+                    </a:p>
+                  </a:txBody>
+                  <a:tcPr anchor="ctr"/>
+                </a:tc>
+                <a:tc>
+                  <a:txBody>
+                    <a:bodyPr/>
+                    <a:lstStyle/>
+                    <a:p>
+                      <a:r>
+                        <a:rPr lang="en-US">
+                          <a:effectLst/>
+                        </a:rPr>
+                        <a:t>subnet</a:t>
+                      </a:r>
+                    </a:p>
+                  </a:txBody>
+                  <a:tcPr anchor="ctr"/>
+                </a:tc>
+                <a:tc>
+                  <a:txBody>
+                    <a:bodyPr/>
+                    <a:lstStyle/>
+                    <a:p>
+                      <a:r>
+                        <a:rPr lang="en-US">
+                          <a:effectLst/>
+                        </a:rPr>
+                        <a:t>Yes</a:t>
+                      </a:r>
+                    </a:p>
+                  </a:txBody>
+                  <a:tcPr anchor="ctr"/>
+                </a:tc>
+                <a:tc>
+                  <a:txBody>
+                    <a:bodyPr/>
+                    <a:lstStyle/>
+                    <a:p>
+                      <a:endParaRPr lang="ru-RU">
+                        <a:effectLst/>
+                      </a:endParaRPr>
+                    </a:p>
+                  </a:txBody>
+                  <a:tcPr anchor="ctr"/>
+                </a:tc>
+                <a:tc>
+                  <a:txBody>
+                    <a:bodyPr/>
+                    <a:lstStyle/>
+                    <a:p>
+                      <a:r>
+                        <a:rPr lang="en-US" sz="1800" b="0" i="0" kern="1200" dirty="0">
+                          <a:solidFill>
+                            <a:schemeClr val="dk1"/>
+                          </a:solidFill>
+                          <a:effectLst/>
+                          <a:latin typeface="+mn-lt"/>
+                          <a:ea typeface="+mn-ea"/>
+                          <a:cs typeface="+mn-cs"/>
+                        </a:rPr>
+                        <a:t>Cloud DNS</a:t>
+                      </a:r>
+                      <a:endParaRPr lang="ru-RU" dirty="0">
+                        <a:effectLst/>
+                      </a:endParaRPr>
+                    </a:p>
+                  </a:txBody>
+                  <a:tcPr anchor="ctr"/>
+                </a:tc>
+                <a:tc>
+                  <a:txBody>
+                    <a:bodyPr/>
+                    <a:lstStyle/>
+                    <a:p>
+                      <a:r>
+                        <a:rPr lang="en-US" dirty="0">
+                          <a:effectLst/>
+                        </a:rPr>
+                        <a:t>Yes</a:t>
+                      </a:r>
+                    </a:p>
+                  </a:txBody>
+                  <a:tcPr anchor="ctr"/>
+                </a:tc>
+                <a:extLst>
+                  <a:ext uri="{0D108BD9-81ED-4DB2-BD59-A6C34878D82A}">
+                    <a16:rowId xmlns:a16="http://schemas.microsoft.com/office/drawing/2014/main" val="271305583"/>
+                  </a:ext>
+                </a:extLst>
+              </a:tr>
+              <a:tr h="370840">
+                <a:tc>
+                  <a:txBody>
+                    <a:bodyPr/>
+                    <a:lstStyle/>
+                    <a:p>
+                      <a:r>
+                        <a:rPr lang="en-US">
+                          <a:effectLst/>
+                        </a:rPr>
+                        <a:t>Azure</a:t>
+                      </a:r>
+                    </a:p>
+                  </a:txBody>
+                  <a:tcPr anchor="ctr"/>
+                </a:tc>
+                <a:tc>
+                  <a:txBody>
+                    <a:bodyPr/>
+                    <a:lstStyle/>
+                    <a:p>
+                      <a:r>
+                        <a:rPr lang="en-US">
+                          <a:effectLst/>
+                        </a:rPr>
+                        <a:t>VNet</a:t>
+                      </a:r>
+                    </a:p>
+                  </a:txBody>
+                  <a:tcPr anchor="ctr"/>
+                </a:tc>
+                <a:tc>
+                  <a:txBody>
+                    <a:bodyPr/>
+                    <a:lstStyle/>
+                    <a:p>
+                      <a:r>
+                        <a:rPr lang="en-US">
+                          <a:effectLst/>
+                        </a:rPr>
+                        <a:t>Yes</a:t>
+                      </a:r>
+                    </a:p>
+                  </a:txBody>
+                  <a:tcPr anchor="ctr"/>
+                </a:tc>
+                <a:tc>
+                  <a:txBody>
+                    <a:bodyPr/>
+                    <a:lstStyle/>
+                    <a:p>
+                      <a:r>
+                        <a:rPr lang="en-US">
+                          <a:effectLst/>
+                        </a:rPr>
+                        <a:t>Yes</a:t>
+                      </a:r>
+                    </a:p>
+                  </a:txBody>
+                  <a:tcPr anchor="ctr"/>
+                </a:tc>
+                <a:tc>
+                  <a:txBody>
+                    <a:bodyPr/>
+                    <a:lstStyle/>
+                    <a:p>
+                      <a:endParaRPr lang="ru-RU">
+                        <a:effectLst/>
+                      </a:endParaRPr>
+                    </a:p>
+                  </a:txBody>
+                  <a:tcPr anchor="ctr"/>
+                </a:tc>
+                <a:tc>
+                  <a:txBody>
+                    <a:bodyPr/>
+                    <a:lstStyle/>
+                    <a:p>
+                      <a:r>
+                        <a:rPr lang="en-US" dirty="0">
+                          <a:effectLst/>
+                        </a:rPr>
+                        <a:t>Yes</a:t>
+                      </a:r>
+                    </a:p>
+                  </a:txBody>
+                  <a:tcPr anchor="ctr"/>
+                </a:tc>
+                <a:extLst>
+                  <a:ext uri="{0D108BD9-81ED-4DB2-BD59-A6C34878D82A}">
+                    <a16:rowId xmlns:a16="http://schemas.microsoft.com/office/drawing/2014/main" val="678644440"/>
+                  </a:ext>
+                </a:extLst>
+              </a:tr>
+            </a:tbl>
+          </a:graphicData>
+        </a:graphic>
+      </p:graphicFrame>
+    </p:spTree>
+    <p:extLst>
+      <p:ext uri="{BB962C8B-B14F-4D97-AF65-F5344CB8AC3E}">
+        <p14:creationId xmlns:p14="http://schemas.microsoft.com/office/powerpoint/2010/main" val="3895189679"/>
+      </p:ext>
+    </p:extLst>
+  </p:cSld>
+  <p:clrMapOvr>
+    <a:masterClrMapping/>
+  </p:clrMapOvr>
+</p:sld>
+</file>
+
+<file path=ppt/slides/slide5.xml><?xml version="1.0" encoding="utf-8"?>
+<p:sld xmlns:a="http://schemas.openxmlformats.org/drawingml/2006/main" xmlns:r="http://schemas.openxmlformats.org/officeDocument/2006/relationships" xmlns:p="http://schemas.openxmlformats.org/presentationml/2006/main">
+  <p:cSld>
+    <p:spTree>
+      <p:nvGrpSpPr>
+        <p:cNvPr id="1" name=""/>
+        <p:cNvGrpSpPr/>
+        <p:nvPr/>
+      </p:nvGrpSpPr>
+      <p:grpSpPr>
+        <a:xfrm>
+          <a:off x="0" y="0"/>
+          <a:ext cx="0" cy="0"/>
+          <a:chOff x="0" y="0"/>
+          <a:chExt cx="0" cy="0"/>
+        </a:xfrm>
+      </p:grpSpPr>
+      <p:sp>
+        <p:nvSpPr>
+          <p:cNvPr id="2" name="Title 1">
+            <a:extLst>
+              <a:ext uri="{FF2B5EF4-FFF2-40B4-BE49-F238E27FC236}">
+                <a16:creationId xmlns:a16="http://schemas.microsoft.com/office/drawing/2014/main" id="{2657506A-C08F-44B0-AF5B-D01C6227743F}"/>
+              </a:ext>
+            </a:extLst>
+          </p:cNvPr>
+          <p:cNvSpPr>
+            <a:spLocks noGrp="1"/>
+          </p:cNvSpPr>
+          <p:nvPr>
+            <p:ph type="title"/>
+          </p:nvPr>
+        </p:nvSpPr>
+        <p:spPr/>
+        <p:txBody>
+          <a:bodyPr/>
+          <a:lstStyle/>
+          <a:p>
+            <a:pPr algn="ctr"/>
+            <a:r>
+              <a:rPr lang="en-US" b="1" dirty="0"/>
+              <a:t>AWS vs Azure vs Google: Pricing Structure</a:t>
+            </a:r>
+            <a:endParaRPr lang="ru-RU" dirty="0"/>
+          </a:p>
+        </p:txBody>
+      </p:sp>
+      <p:graphicFrame>
+        <p:nvGraphicFramePr>
+          <p:cNvPr id="7" name="Content Placeholder 6">
+            <a:extLst>
+              <a:ext uri="{FF2B5EF4-FFF2-40B4-BE49-F238E27FC236}">
+                <a16:creationId xmlns:a16="http://schemas.microsoft.com/office/drawing/2014/main" id="{E3C8B183-CE6F-4FBC-887D-BCDF98CD5119}"/>
+              </a:ext>
+            </a:extLst>
+          </p:cNvPr>
+          <p:cNvGraphicFramePr>
+            <a:graphicFrameLocks noGrp="1"/>
+          </p:cNvGraphicFramePr>
+          <p:nvPr>
+            <p:ph idx="1"/>
+            <p:extLst>
+              <p:ext uri="{D42A27DB-BD31-4B8C-83A1-F6EECF244321}">
+                <p14:modId xmlns:p14="http://schemas.microsoft.com/office/powerpoint/2010/main" val="1033740966"/>
+              </p:ext>
+            </p:extLst>
+          </p:nvPr>
+        </p:nvGraphicFramePr>
+        <p:xfrm>
+          <a:off x="646111" y="2052638"/>
+          <a:ext cx="10200855" cy="2296160"/>
+        </p:xfrm>
+        <a:graphic>
+          <a:graphicData uri="http://schemas.openxmlformats.org/drawingml/2006/table">
+            <a:tbl>
+              <a:tblPr firstRow="1" bandRow="1">
+                <a:tableStyleId>{5C22544A-7EE6-4342-B048-85BDC9FD1C3A}</a:tableStyleId>
+              </a:tblPr>
+              <a:tblGrid>
+                <a:gridCol w="1702806">
+                  <a:extLst>
+                    <a:ext uri="{9D8B030D-6E8A-4147-A177-3AD203B41FA5}">
+                      <a16:colId xmlns:a16="http://schemas.microsoft.com/office/drawing/2014/main" val="1698286617"/>
+                    </a:ext>
+                  </a:extLst>
+                </a:gridCol>
+                <a:gridCol w="4840448">
+                  <a:extLst>
+                    <a:ext uri="{9D8B030D-6E8A-4147-A177-3AD203B41FA5}">
+                      <a16:colId xmlns:a16="http://schemas.microsoft.com/office/drawing/2014/main" val="3347532163"/>
+                    </a:ext>
+                  </a:extLst>
+                </a:gridCol>
+                <a:gridCol w="3657601">
+                  <a:extLst>
+                    <a:ext uri="{9D8B030D-6E8A-4147-A177-3AD203B41FA5}">
+                      <a16:colId xmlns:a16="http://schemas.microsoft.com/office/drawing/2014/main" val="3417610802"/>
+                    </a:ext>
+                  </a:extLst>
+                </a:gridCol>
+              </a:tblGrid>
+              <a:tr h="370840">
+                <a:tc>
+                  <a:txBody>
+                    <a:bodyPr/>
+                    <a:lstStyle/>
+                    <a:p>
+                      <a:endParaRPr lang="ru-RU" dirty="0"/>
+                    </a:p>
+                  </a:txBody>
+                  <a:tcPr/>
+                </a:tc>
+                <a:tc>
+                  <a:txBody>
+                    <a:bodyPr/>
+                    <a:lstStyle/>
+                    <a:p>
+                      <a:pPr algn="ctr"/>
+                      <a:r>
+                        <a:rPr lang="en-US" dirty="0">
+                          <a:effectLst/>
+                        </a:rPr>
+                        <a:t>Pricing</a:t>
+                      </a:r>
+                    </a:p>
+                  </a:txBody>
+                  <a:tcPr anchor="ctr"/>
+                </a:tc>
+                <a:tc>
+                  <a:txBody>
+                    <a:bodyPr/>
+                    <a:lstStyle/>
+                    <a:p>
+                      <a:pPr algn="ctr"/>
+                      <a:r>
+                        <a:rPr lang="en-US" dirty="0">
+                          <a:effectLst/>
+                        </a:rPr>
+                        <a:t>Models</a:t>
+                      </a:r>
+                    </a:p>
+                  </a:txBody>
+                  <a:tcPr anchor="ctr"/>
+                </a:tc>
+                <a:extLst>
+                  <a:ext uri="{0D108BD9-81ED-4DB2-BD59-A6C34878D82A}">
+                    <a16:rowId xmlns:a16="http://schemas.microsoft.com/office/drawing/2014/main" val="1863644277"/>
+                  </a:ext>
+                </a:extLst>
+              </a:tr>
+              <a:tr h="370840">
+                <a:tc>
+                  <a:txBody>
+                    <a:bodyPr/>
+                    <a:lstStyle/>
+                    <a:p>
+                      <a:pPr algn="ctr"/>
+                      <a:r>
+                        <a:rPr lang="en-US" dirty="0">
+                          <a:effectLst/>
+                        </a:rPr>
+                        <a:t>AWS</a:t>
+                      </a:r>
+                    </a:p>
+                  </a:txBody>
+                  <a:tcPr anchor="ctr"/>
+                </a:tc>
+                <a:tc>
+                  <a:txBody>
+                    <a:bodyPr/>
+                    <a:lstStyle/>
+                    <a:p>
+                      <a:pPr algn="ctr"/>
+                      <a:r>
+                        <a:rPr lang="en-US">
+                          <a:effectLst/>
+                        </a:rPr>
+                        <a:t>Per hour – rounded up</a:t>
+                      </a:r>
+                    </a:p>
+                  </a:txBody>
+                  <a:tcPr anchor="ctr"/>
+                </a:tc>
+                <a:tc>
+                  <a:txBody>
+                    <a:bodyPr/>
+                    <a:lstStyle/>
+                    <a:p>
+                      <a:pPr algn="ctr"/>
+                      <a:r>
+                        <a:rPr lang="en-US" dirty="0">
+                          <a:effectLst/>
+                        </a:rPr>
+                        <a:t>On demand, reserved, spot</a:t>
+                      </a:r>
+                    </a:p>
+                  </a:txBody>
+                  <a:tcPr anchor="ctr"/>
+                </a:tc>
+                <a:extLst>
+                  <a:ext uri="{0D108BD9-81ED-4DB2-BD59-A6C34878D82A}">
+                    <a16:rowId xmlns:a16="http://schemas.microsoft.com/office/drawing/2014/main" val="1345001238"/>
+                  </a:ext>
+                </a:extLst>
+              </a:tr>
+              <a:tr h="370840">
+                <a:tc>
+                  <a:txBody>
+                    <a:bodyPr/>
+                    <a:lstStyle/>
+                    <a:p>
+                      <a:pPr algn="ctr"/>
+                      <a:r>
+                        <a:rPr lang="en-US" dirty="0">
+                          <a:effectLst/>
+                        </a:rPr>
+                        <a:t>GCP</a:t>
+                      </a:r>
+                    </a:p>
+                  </a:txBody>
+                  <a:tcPr anchor="ctr"/>
+                </a:tc>
+                <a:tc>
+                  <a:txBody>
+                    <a:bodyPr/>
+                    <a:lstStyle/>
+                    <a:p>
+                      <a:pPr algn="ctr"/>
+                      <a:r>
+                        <a:rPr lang="en-US">
+                          <a:effectLst/>
+                        </a:rPr>
+                        <a:t>Per minute – rounded up (minimum 10 minutes)</a:t>
+                      </a:r>
+                    </a:p>
+                  </a:txBody>
+                  <a:tcPr anchor="ctr"/>
+                </a:tc>
+                <a:tc>
+                  <a:txBody>
+                    <a:bodyPr/>
+                    <a:lstStyle/>
+                    <a:p>
+                      <a:pPr algn="ctr"/>
+                      <a:r>
+                        <a:rPr lang="en-US" dirty="0">
+                          <a:effectLst/>
+                        </a:rPr>
+                        <a:t>On demand – sustained use</a:t>
+                      </a:r>
+                    </a:p>
+                  </a:txBody>
+                  <a:tcPr anchor="ctr"/>
+                </a:tc>
+                <a:extLst>
+                  <a:ext uri="{0D108BD9-81ED-4DB2-BD59-A6C34878D82A}">
+                    <a16:rowId xmlns:a16="http://schemas.microsoft.com/office/drawing/2014/main" val="1102212252"/>
+                  </a:ext>
+                </a:extLst>
+              </a:tr>
+              <a:tr h="370840">
+                <a:tc>
+                  <a:txBody>
+                    <a:bodyPr/>
+                    <a:lstStyle/>
+                    <a:p>
+                      <a:pPr algn="ctr"/>
+                      <a:r>
+                        <a:rPr lang="en-US" dirty="0">
+                          <a:effectLst/>
+                        </a:rPr>
+                        <a:t>Azure</a:t>
+                      </a:r>
+                    </a:p>
+                  </a:txBody>
+                  <a:tcPr anchor="ctr"/>
+                </a:tc>
+                <a:tc>
+                  <a:txBody>
+                    <a:bodyPr/>
+                    <a:lstStyle/>
+                    <a:p>
+                      <a:pPr algn="ctr"/>
+                      <a:r>
+                        <a:rPr lang="en-US">
+                          <a:effectLst/>
+                        </a:rPr>
+                        <a:t>Per minute – rounded up commitments (pre-paid or monthly)</a:t>
+                      </a:r>
+                    </a:p>
+                  </a:txBody>
+                  <a:tcPr anchor="ctr"/>
+                </a:tc>
+                <a:tc>
+                  <a:txBody>
+                    <a:bodyPr/>
+                    <a:lstStyle/>
+                    <a:p>
+                      <a:pPr algn="ctr"/>
+                      <a:r>
+                        <a:rPr lang="en-US" dirty="0">
+                          <a:effectLst/>
+                        </a:rPr>
+                        <a:t>On demand – short term commitments (pre-paid or monthly)</a:t>
+                      </a:r>
+                    </a:p>
+                  </a:txBody>
+                  <a:tcPr anchor="ctr"/>
+                </a:tc>
+                <a:extLst>
+                  <a:ext uri="{0D108BD9-81ED-4DB2-BD59-A6C34878D82A}">
+                    <a16:rowId xmlns:a16="http://schemas.microsoft.com/office/drawing/2014/main" val="2475180931"/>
+                  </a:ext>
+                </a:extLst>
+              </a:tr>
+            </a:tbl>
+          </a:graphicData>
+        </a:graphic>
+      </p:graphicFrame>
+    </p:spTree>
+    <p:extLst>
+      <p:ext uri="{BB962C8B-B14F-4D97-AF65-F5344CB8AC3E}">
+        <p14:creationId xmlns:p14="http://schemas.microsoft.com/office/powerpoint/2010/main" val="3055421736"/>
       </p:ext>
     </p:extLst>
   </p:cSld>
